--- a/inception-deck-06-29.pptx
+++ b/inception-deck-06-29.pptx
@@ -5,7 +5,7 @@
     <p:sldMasterId id="2147483648" r:id="rId1"/>
   </p:sldMasterIdLst>
   <p:notesMasterIdLst>
-    <p:notesMasterId r:id="rId15"/>
+    <p:notesMasterId r:id="rId14"/>
   </p:notesMasterIdLst>
   <p:sldIdLst>
     <p:sldId id="256" r:id="rId2"/>
@@ -20,7 +20,6 @@
     <p:sldId id="265" r:id="rId11"/>
     <p:sldId id="266" r:id="rId12"/>
     <p:sldId id="268" r:id="rId13"/>
-    <p:sldId id="269" r:id="rId14"/>
   </p:sldIdLst>
   <p:sldSz cx="9144000" cy="6858000" type="screen4x3"/>
   <p:notesSz cx="6858000" cy="9144000"/>
@@ -817,113 +816,6 @@
               <a:rPr lang="en-CA" smtClean="0"/>
               <a:pPr/>
               <a:t>12</a:t>
-            </a:fld>
-            <a:endParaRPr lang="en-CA"/>
-          </a:p>
-        </p:txBody>
-      </p:sp>
-    </p:spTree>
-  </p:cSld>
-  <p:clrMapOvr>
-    <a:masterClrMapping/>
-  </p:clrMapOvr>
-</p:notes>
-</file>
-
-<file path=ppt/notesSlides/notesSlide12.xml><?xml version="1.0" encoding="utf-8"?>
-<p:notes xmlns:a="http://schemas.openxmlformats.org/drawingml/2006/main" xmlns:r="http://schemas.openxmlformats.org/officeDocument/2006/relationships" xmlns:p="http://schemas.openxmlformats.org/presentationml/2006/main">
-  <p:cSld>
-    <p:spTree>
-      <p:nvGrpSpPr>
-        <p:cNvPr id="1" name=""/>
-        <p:cNvGrpSpPr/>
-        <p:nvPr/>
-      </p:nvGrpSpPr>
-      <p:grpSpPr>
-        <a:xfrm>
-          <a:off x="0" y="0"/>
-          <a:ext cx="0" cy="0"/>
-          <a:chOff x="0" y="0"/>
-          <a:chExt cx="0" cy="0"/>
-        </a:xfrm>
-      </p:grpSpPr>
-      <p:sp>
-        <p:nvSpPr>
-          <p:cNvPr id="2" name="Slide Image Placeholder 1"/>
-          <p:cNvSpPr>
-            <a:spLocks noGrp="1" noRot="1" noChangeAspect="1"/>
-          </p:cNvSpPr>
-          <p:nvPr>
-            <p:ph type="sldImg"/>
-          </p:nvPr>
-        </p:nvSpPr>
-        <p:spPr/>
-      </p:sp>
-      <p:sp>
-        <p:nvSpPr>
-          <p:cNvPr id="3" name="Notes Placeholder 2"/>
-          <p:cNvSpPr>
-            <a:spLocks noGrp="1"/>
-          </p:cNvSpPr>
-          <p:nvPr>
-            <p:ph type="body" idx="1"/>
-          </p:nvPr>
-        </p:nvSpPr>
-        <p:spPr/>
-        <p:txBody>
-          <a:bodyPr>
-            <a:normAutofit/>
-          </a:bodyPr>
-          <a:lstStyle/>
-          <a:p>
-            <a:r>
-              <a:rPr lang="en-CA" dirty="0" smtClean="0"/>
-              <a:t>That’s it! Create your deck.</a:t>
-            </a:r>
-          </a:p>
-          <a:p>
-            <a:r>
-              <a:rPr lang="en-CA" dirty="0" smtClean="0"/>
-              <a:t>Put it somewhere visible for all too see.</a:t>
-            </a:r>
-          </a:p>
-          <a:p>
-            <a:r>
-              <a:rPr lang="en-CA" dirty="0" smtClean="0"/>
-              <a:t>And update it when things change.</a:t>
-            </a:r>
-          </a:p>
-          <a:p>
-            <a:endParaRPr lang="en-CA" dirty="0" smtClean="0"/>
-          </a:p>
-          <a:p>
-            <a:r>
-              <a:rPr lang="en-CA" smtClean="0"/>
-              <a:t>Good luck!</a:t>
-            </a:r>
-            <a:endParaRPr lang="en-CA"/>
-          </a:p>
-        </p:txBody>
-      </p:sp>
-      <p:sp>
-        <p:nvSpPr>
-          <p:cNvPr id="4" name="Slide Number Placeholder 3"/>
-          <p:cNvSpPr>
-            <a:spLocks noGrp="1"/>
-          </p:cNvSpPr>
-          <p:nvPr>
-            <p:ph type="sldNum" sz="quarter" idx="10"/>
-          </p:nvPr>
-        </p:nvSpPr>
-        <p:spPr/>
-        <p:txBody>
-          <a:bodyPr/>
-          <a:lstStyle/>
-          <a:p>
-            <a:fld id="{95EFCE83-0D6D-418E-84F5-E30F60A7C7AC}" type="slidenum">
-              <a:rPr lang="en-CA" smtClean="0"/>
-              <a:pPr/>
-              <a:t>13</a:t>
             </a:fld>
             <a:endParaRPr lang="en-CA"/>
           </a:p>
@@ -4713,7 +4605,7 @@
         </p:nvSpPr>
         <p:spPr>
           <a:xfrm>
-            <a:off x="685800" y="762000"/>
+            <a:off x="685800" y="1676400"/>
             <a:ext cx="7772400" cy="1470025"/>
           </a:xfrm>
         </p:spPr>
@@ -4742,8 +4634,8 @@
         </p:nvSpPr>
         <p:spPr>
           <a:xfrm>
-            <a:off x="304800" y="2438400"/>
-            <a:ext cx="8458200" cy="3733800"/>
+            <a:off x="304800" y="3124200"/>
+            <a:ext cx="8458200" cy="3200400"/>
           </a:xfrm>
         </p:spPr>
         <p:txBody>
@@ -4774,35 +4666,155 @@
             </a:r>
             <a:r>
               <a:rPr lang="en-CA" dirty="0" smtClean="0"/>
-              <a:t> &gt;</a:t>
-            </a:r>
-          </a:p>
-          <a:p>
+              <a:t> </a:t>
+            </a:r>
+            <a:r>
+              <a:rPr lang="en-CA" dirty="0" smtClean="0"/>
+              <a:t>&gt;</a:t>
+            </a:r>
+            <a:br>
+              <a:rPr lang="en-CA" dirty="0" smtClean="0"/>
+            </a:br>
+            <a:r>
+              <a:rPr lang="en-CA" sz="300" dirty="0" smtClean="0"/>
+              <a:t> </a:t>
+            </a:r>
             <a:endParaRPr lang="en-CA" dirty="0" smtClean="0"/>
           </a:p>
           <a:p>
-            <a:r>
-              <a:rPr lang="en-CA" dirty="0" err="1" smtClean="0"/>
+            <a:pPr algn="r"/>
+            <a:r>
+              <a:rPr lang="en-CA" dirty="0" err="1" smtClean="0">
+                <a:solidFill>
+                  <a:schemeClr val="tx1">
+                    <a:lumMod val="95000"/>
+                    <a:lumOff val="5000"/>
+                  </a:schemeClr>
+                </a:solidFill>
+                <a:latin typeface="+mn-lt"/>
+              </a:rPr>
               <a:t>Team.SmartGreenhousing</a:t>
             </a:r>
-            <a:endParaRPr lang="en-CA" dirty="0" smtClean="0"/>
-          </a:p>
-          <a:p>
-            <a:r>
-              <a:rPr lang="en-CA" dirty="0" smtClean="0"/>
-              <a:t>P.O SUZUKI Takahiro</a:t>
-            </a:r>
-          </a:p>
-          <a:p>
-            <a:r>
-              <a:rPr lang="en-CA" dirty="0" smtClean="0"/>
-              <a:t>S.M Yoshioka </a:t>
-            </a:r>
-            <a:r>
-              <a:rPr lang="en-CA" dirty="0" err="1" smtClean="0"/>
+            <a:endParaRPr lang="en-CA" dirty="0" smtClean="0">
+              <a:solidFill>
+                <a:schemeClr val="tx1">
+                  <a:lumMod val="95000"/>
+                  <a:lumOff val="5000"/>
+                </a:schemeClr>
+              </a:solidFill>
+              <a:latin typeface="+mn-lt"/>
+            </a:endParaRPr>
+          </a:p>
+          <a:p>
+            <a:pPr algn="r"/>
+            <a:r>
+              <a:rPr lang="en-CA" dirty="0" smtClean="0">
+                <a:solidFill>
+                  <a:schemeClr val="tx1">
+                    <a:lumMod val="95000"/>
+                    <a:lumOff val="5000"/>
+                  </a:schemeClr>
+                </a:solidFill>
+                <a:latin typeface="+mn-lt"/>
+              </a:rPr>
+              <a:t>P.O	SUZUKI </a:t>
+            </a:r>
+            <a:r>
+              <a:rPr lang="en-CA" dirty="0" smtClean="0">
+                <a:solidFill>
+                  <a:schemeClr val="tx1">
+                    <a:lumMod val="95000"/>
+                    <a:lumOff val="5000"/>
+                  </a:schemeClr>
+                </a:solidFill>
+                <a:latin typeface="+mn-lt"/>
+              </a:rPr>
+              <a:t>Takahiro</a:t>
+            </a:r>
+          </a:p>
+          <a:p>
+            <a:pPr algn="r"/>
+            <a:r>
+              <a:rPr lang="en-CA" dirty="0" smtClean="0">
+                <a:solidFill>
+                  <a:schemeClr val="tx1">
+                    <a:lumMod val="95000"/>
+                    <a:lumOff val="5000"/>
+                  </a:schemeClr>
+                </a:solidFill>
+                <a:latin typeface="+mn-lt"/>
+              </a:rPr>
+              <a:t>S.M</a:t>
+            </a:r>
+            <a:r>
+              <a:rPr lang="en-CA" dirty="0">
+                <a:solidFill>
+                  <a:schemeClr val="tx1">
+                    <a:lumMod val="95000"/>
+                    <a:lumOff val="5000"/>
+                  </a:schemeClr>
+                </a:solidFill>
+                <a:latin typeface="+mn-lt"/>
+              </a:rPr>
+              <a:t>	</a:t>
+            </a:r>
+            <a:r>
+              <a:rPr lang="en-CA" dirty="0" smtClean="0">
+                <a:solidFill>
+                  <a:schemeClr val="tx1">
+                    <a:lumMod val="95000"/>
+                    <a:lumOff val="5000"/>
+                  </a:schemeClr>
+                </a:solidFill>
+                <a:latin typeface="+mn-lt"/>
+              </a:rPr>
+              <a:t>  </a:t>
+            </a:r>
+            <a:r>
+              <a:rPr lang="en-CA" dirty="0" smtClean="0">
+                <a:solidFill>
+                  <a:schemeClr val="tx1">
+                    <a:lumMod val="95000"/>
+                    <a:lumOff val="5000"/>
+                  </a:schemeClr>
+                </a:solidFill>
+                <a:latin typeface="+mn-lt"/>
+              </a:rPr>
+              <a:t>Yoshioka </a:t>
+            </a:r>
+            <a:r>
+              <a:rPr lang="en-CA" dirty="0" err="1" smtClean="0">
+                <a:solidFill>
+                  <a:schemeClr val="tx1">
+                    <a:lumMod val="95000"/>
+                    <a:lumOff val="5000"/>
+                  </a:schemeClr>
+                </a:solidFill>
+                <a:latin typeface="+mn-lt"/>
+              </a:rPr>
               <a:t>Keima</a:t>
             </a:r>
-            <a:endParaRPr lang="en-CA" dirty="0" smtClean="0"/>
+            <a:r>
+              <a:rPr lang="en-CA" dirty="0" smtClean="0">
+                <a:solidFill>
+                  <a:schemeClr val="tx1">
+                    <a:lumMod val="95000"/>
+                    <a:lumOff val="5000"/>
+                  </a:schemeClr>
+                </a:solidFill>
+                <a:latin typeface="+mn-lt"/>
+              </a:rPr>
+              <a:t> </a:t>
+            </a:r>
+            <a:endParaRPr lang="en-CA" dirty="0" smtClean="0">
+              <a:solidFill>
+                <a:schemeClr val="tx1">
+                  <a:lumMod val="95000"/>
+                  <a:lumOff val="5000"/>
+                </a:schemeClr>
+              </a:solidFill>
+              <a:latin typeface="+mn-lt"/>
+            </a:endParaRPr>
           </a:p>
           <a:p>
             <a:endParaRPr lang="en-CA" dirty="0"/>
@@ -4875,8 +4887,8 @@
         </p:nvSpPr>
         <p:spPr>
           <a:xfrm>
-            <a:off x="1661311" y="2819400"/>
-            <a:ext cx="6172200" cy="685800"/>
+            <a:off x="1542982" y="2819400"/>
+            <a:ext cx="7448618" cy="685800"/>
           </a:xfrm>
           <a:prstGeom prst="chevron">
             <a:avLst/>
@@ -4919,7 +4931,7 @@
         </p:nvSpPr>
         <p:spPr>
           <a:xfrm rot="5400000">
-            <a:off x="3591379" y="2514600"/>
+            <a:off x="3477079" y="2514600"/>
             <a:ext cx="838200" cy="228600"/>
           </a:xfrm>
           <a:prstGeom prst="homePlate">
@@ -4971,7 +4983,7 @@
         </p:nvSpPr>
         <p:spPr>
           <a:xfrm rot="5400000">
-            <a:off x="5471311" y="2514600"/>
+            <a:off x="5777369" y="2524780"/>
             <a:ext cx="838200" cy="228600"/>
           </a:xfrm>
           <a:prstGeom prst="homePlate">
@@ -5023,7 +5035,7 @@
         </p:nvSpPr>
         <p:spPr>
           <a:xfrm rot="5400000">
-            <a:off x="7452511" y="2514600"/>
+            <a:off x="8439961" y="2524780"/>
             <a:ext cx="838200" cy="228600"/>
           </a:xfrm>
           <a:prstGeom prst="homePlate">
@@ -5075,7 +5087,7 @@
         </p:nvSpPr>
         <p:spPr>
           <a:xfrm>
-            <a:off x="7071511" y="1371600"/>
+            <a:off x="7452511" y="1017657"/>
             <a:ext cx="1691489" cy="707886"/>
           </a:xfrm>
           <a:prstGeom prst="rect">
@@ -5135,8 +5147,8 @@
         </p:nvSpPr>
         <p:spPr>
           <a:xfrm>
-            <a:off x="4480066" y="2209800"/>
-            <a:ext cx="762645" cy="523220"/>
+            <a:off x="4237236" y="2219980"/>
+            <a:ext cx="1763753" cy="523220"/>
           </a:xfrm>
           <a:prstGeom prst="rect">
             <a:avLst/>
@@ -5151,7 +5163,7 @@
           <a:p>
             <a:r>
               <a:rPr lang="en-CA" sz="2800" dirty="0" smtClean="0"/>
-              <a:t>UAT</a:t>
+              <a:t>Model test</a:t>
             </a:r>
             <a:endParaRPr lang="en-CA" sz="2800" dirty="0"/>
           </a:p>
@@ -5165,8 +5177,8 @@
         </p:nvSpPr>
         <p:spPr>
           <a:xfrm>
-            <a:off x="6233311" y="2219980"/>
-            <a:ext cx="1336456" cy="523220"/>
+            <a:off x="6349210" y="1767330"/>
+            <a:ext cx="2363596" cy="954107"/>
           </a:xfrm>
           <a:prstGeom prst="rect">
             <a:avLst/>
@@ -5181,7 +5193,14 @@
           <a:p>
             <a:r>
               <a:rPr lang="en-CA" sz="2800" dirty="0" smtClean="0"/>
-              <a:t>Training</a:t>
+              <a:t>Apply for using</a:t>
+            </a:r>
+            <a:br>
+              <a:rPr lang="en-CA" sz="2800" dirty="0" smtClean="0"/>
+            </a:br>
+            <a:r>
+              <a:rPr lang="en-CA" sz="2800" dirty="0" smtClean="0"/>
+              <a:t>in greenhouse</a:t>
             </a:r>
             <a:endParaRPr lang="en-CA" sz="2800" dirty="0"/>
           </a:p>
@@ -5234,7 +5253,7 @@
         <p:spPr>
           <a:xfrm>
             <a:off x="4368010" y="2895600"/>
-            <a:ext cx="950901" cy="523220"/>
+            <a:ext cx="1502206" cy="523220"/>
           </a:xfrm>
           <a:prstGeom prst="rect">
             <a:avLst/>
@@ -5253,7 +5272,15 @@
                   <a:schemeClr val="bg1"/>
                 </a:solidFill>
               </a:rPr>
-              <a:t> 1 wk</a:t>
+              <a:t> 1 </a:t>
+            </a:r>
+            <a:r>
+              <a:rPr lang="en-CA" sz="2800" dirty="0" smtClean="0">
+                <a:solidFill>
+                  <a:schemeClr val="bg1"/>
+                </a:solidFill>
+              </a:rPr>
+              <a:t>month</a:t>
             </a:r>
             <a:endParaRPr lang="en-CA" sz="2800" dirty="0">
               <a:solidFill>
@@ -5272,7 +5299,7 @@
         <p:spPr>
           <a:xfrm>
             <a:off x="6349210" y="2895600"/>
-            <a:ext cx="950901" cy="523220"/>
+            <a:ext cx="1502206" cy="523220"/>
           </a:xfrm>
           <a:prstGeom prst="rect">
             <a:avLst/>
@@ -5291,7 +5318,7 @@
                   <a:schemeClr val="bg1"/>
                 </a:solidFill>
               </a:rPr>
-              <a:t> 1 wk</a:t>
+              <a:t> 1 month</a:t>
             </a:r>
             <a:endParaRPr lang="en-CA" sz="2800" dirty="0">
               <a:solidFill>
@@ -6034,11 +6061,17 @@
           <p:cNvGraphicFramePr>
             <a:graphicFrameLocks noGrp="1"/>
           </p:cNvGraphicFramePr>
-          <p:nvPr/>
+          <p:nvPr>
+            <p:extLst>
+              <p:ext uri="{D42A27DB-BD31-4B8C-83A1-F6EECF244321}">
+                <p14:modId xmlns:p14="http://schemas.microsoft.com/office/powerpoint/2010/main" val="4135902226"/>
+              </p:ext>
+            </p:extLst>
+          </p:nvPr>
         </p:nvGraphicFramePr>
         <p:xfrm>
           <a:off x="457200" y="4157880"/>
-          <a:ext cx="8229600" cy="2471520"/>
+          <a:ext cx="8229600" cy="2014320"/>
         </p:xfrm>
         <a:graphic>
           <a:graphicData uri="http://schemas.openxmlformats.org/drawingml/2006/table">
@@ -6172,32 +6205,6 @@
                       <a:r>
                         <a:rPr lang="en-CA" sz="2400" baseline="0" dirty="0" smtClean="0"/>
                         <a:t> audits (log everything)</a:t>
-                      </a:r>
-                      <a:endParaRPr lang="en-CA" sz="2000" dirty="0"/>
-                    </a:p>
-                  </a:txBody>
-                  <a:tcPr anchor="ctr"/>
-                </a:tc>
-              </a:tr>
-              <a:tr h="377825">
-                <a:tc>
-                  <a:txBody>
-                    <a:bodyPr/>
-                    <a:lstStyle/>
-                    <a:p>
-                      <a:endParaRPr lang="en-CA" sz="2000" dirty="0"/>
-                    </a:p>
-                  </a:txBody>
-                  <a:tcPr anchor="ctr"/>
-                </a:tc>
-                <a:tc>
-                  <a:txBody>
-                    <a:bodyPr/>
-                    <a:lstStyle/>
-                    <a:p>
-                      <a:r>
-                        <a:rPr lang="en-CA" sz="2400" dirty="0" smtClean="0"/>
-                        <a:t>&lt;insert yours&gt;</a:t>
                       </a:r>
                       <a:endParaRPr lang="en-CA" sz="2000" dirty="0"/>
                     </a:p>
@@ -7709,256 +7716,6 @@
           </p:txBody>
         </p:sp>
       </p:grpSp>
-      <p:grpSp>
-        <p:nvGrpSpPr>
-          <p:cNvPr id="112" name="Group 29"/>
-          <p:cNvGrpSpPr>
-            <a:grpSpLocks/>
-          </p:cNvGrpSpPr>
-          <p:nvPr/>
-        </p:nvGrpSpPr>
-        <p:grpSpPr bwMode="auto">
-          <a:xfrm>
-            <a:off x="762000" y="6202363"/>
-            <a:ext cx="2489200" cy="274637"/>
-            <a:chOff x="1254" y="1536"/>
-            <a:chExt cx="1698" cy="173"/>
-          </a:xfrm>
-        </p:grpSpPr>
-        <p:sp>
-          <p:nvSpPr>
-            <p:cNvPr id="113" name="Text Box 30"/>
-            <p:cNvSpPr txBox="1">
-              <a:spLocks noChangeArrowheads="1"/>
-            </p:cNvSpPr>
-            <p:nvPr/>
-          </p:nvSpPr>
-          <p:spPr bwMode="auto">
-            <a:xfrm>
-              <a:off x="1254" y="1536"/>
-              <a:ext cx="234" cy="173"/>
-            </a:xfrm>
-            <a:prstGeom prst="rect">
-              <a:avLst/>
-            </a:prstGeom>
-            <a:noFill/>
-            <a:ln w="12700">
-              <a:noFill/>
-              <a:miter lim="800000"/>
-              <a:headEnd/>
-              <a:tailEnd/>
-            </a:ln>
-            <a:effectLst/>
-          </p:spPr>
-          <p:txBody>
-            <a:bodyPr wrap="none" lIns="0" tIns="0" rIns="0" bIns="0">
-              <a:spAutoFit/>
-            </a:bodyPr>
-            <a:lstStyle/>
-            <a:p>
-              <a:pPr algn="r">
-                <a:spcAft>
-                  <a:spcPct val="50000"/>
-                </a:spcAft>
-                <a:buClr>
-                  <a:schemeClr val="accent1"/>
-                </a:buClr>
-                <a:buSzPct val="100000"/>
-                <a:buFont typeface="Wingdings" pitchFamily="2" charset="2"/>
-                <a:buNone/>
-              </a:pPr>
-              <a:r>
-                <a:rPr lang="en-AU" b="1"/>
-                <a:t>ON</a:t>
-              </a:r>
-            </a:p>
-          </p:txBody>
-        </p:sp>
-        <p:cxnSp>
-          <p:nvCxnSpPr>
-            <p:cNvPr id="114" name="AutoShape 31"/>
-            <p:cNvCxnSpPr>
-              <a:cxnSpLocks noChangeShapeType="1"/>
-              <a:stCxn id="113" idx="3"/>
-              <a:endCxn id="115" idx="1"/>
-            </p:cNvCxnSpPr>
-            <p:nvPr/>
-          </p:nvCxnSpPr>
-          <p:spPr bwMode="auto">
-            <a:xfrm>
-              <a:off x="1488" y="1623"/>
-              <a:ext cx="1152" cy="0"/>
-            </a:xfrm>
-            <a:prstGeom prst="straightConnector1">
-              <a:avLst/>
-            </a:prstGeom>
-            <a:noFill/>
-            <a:ln w="38100">
-              <a:solidFill>
-                <a:schemeClr val="tx1"/>
-              </a:solidFill>
-              <a:round/>
-              <a:headEnd type="triangle" w="med" len="med"/>
-              <a:tailEnd type="triangle" w="med" len="med"/>
-            </a:ln>
-            <a:effectLst/>
-          </p:spPr>
-        </p:cxnSp>
-        <p:sp>
-          <p:nvSpPr>
-            <p:cNvPr id="115" name="Text Box 32"/>
-            <p:cNvSpPr txBox="1">
-              <a:spLocks noChangeArrowheads="1"/>
-            </p:cNvSpPr>
-            <p:nvPr/>
-          </p:nvSpPr>
-          <p:spPr bwMode="auto">
-            <a:xfrm>
-              <a:off x="2640" y="1536"/>
-              <a:ext cx="312" cy="173"/>
-            </a:xfrm>
-            <a:prstGeom prst="rect">
-              <a:avLst/>
-            </a:prstGeom>
-            <a:noFill/>
-            <a:ln w="12700">
-              <a:noFill/>
-              <a:miter lim="800000"/>
-              <a:headEnd/>
-              <a:tailEnd/>
-            </a:ln>
-            <a:effectLst/>
-          </p:spPr>
-          <p:txBody>
-            <a:bodyPr wrap="none" lIns="0" tIns="0" rIns="0" bIns="0">
-              <a:spAutoFit/>
-            </a:bodyPr>
-            <a:lstStyle/>
-            <a:p>
-              <a:pPr>
-                <a:spcAft>
-                  <a:spcPct val="50000"/>
-                </a:spcAft>
-                <a:buClr>
-                  <a:schemeClr val="accent1"/>
-                </a:buClr>
-                <a:buSzPct val="100000"/>
-                <a:buFont typeface="Wingdings" pitchFamily="2" charset="2"/>
-                <a:buNone/>
-              </a:pPr>
-              <a:r>
-                <a:rPr lang="en-AU" b="1"/>
-                <a:t>OFF</a:t>
-              </a:r>
-            </a:p>
-          </p:txBody>
-        </p:sp>
-        <p:sp>
-          <p:nvSpPr>
-            <p:cNvPr id="116" name="Line 33"/>
-            <p:cNvSpPr>
-              <a:spLocks noChangeShapeType="1"/>
-            </p:cNvSpPr>
-            <p:nvPr/>
-          </p:nvSpPr>
-          <p:spPr bwMode="auto">
-            <a:xfrm>
-              <a:off x="2064" y="1536"/>
-              <a:ext cx="0" cy="173"/>
-            </a:xfrm>
-            <a:prstGeom prst="line">
-              <a:avLst/>
-            </a:prstGeom>
-            <a:noFill/>
-            <a:ln w="12700">
-              <a:solidFill>
-                <a:schemeClr val="tx1"/>
-              </a:solidFill>
-              <a:round/>
-              <a:headEnd/>
-              <a:tailEnd/>
-            </a:ln>
-            <a:effectLst/>
-          </p:spPr>
-          <p:txBody>
-            <a:bodyPr lIns="0" tIns="0" rIns="0" bIns="0"/>
-            <a:lstStyle/>
-            <a:p>
-              <a:endParaRPr lang="en-CA"/>
-            </a:p>
-          </p:txBody>
-        </p:sp>
-        <p:sp>
-          <p:nvSpPr>
-            <p:cNvPr id="117" name="Line 34"/>
-            <p:cNvSpPr>
-              <a:spLocks noChangeShapeType="1"/>
-            </p:cNvSpPr>
-            <p:nvPr/>
-          </p:nvSpPr>
-          <p:spPr bwMode="auto">
-            <a:xfrm>
-              <a:off x="1824" y="1536"/>
-              <a:ext cx="0" cy="173"/>
-            </a:xfrm>
-            <a:prstGeom prst="line">
-              <a:avLst/>
-            </a:prstGeom>
-            <a:noFill/>
-            <a:ln w="12700">
-              <a:solidFill>
-                <a:schemeClr val="tx1"/>
-              </a:solidFill>
-              <a:round/>
-              <a:headEnd/>
-              <a:tailEnd/>
-            </a:ln>
-            <a:effectLst/>
-          </p:spPr>
-          <p:txBody>
-            <a:bodyPr lIns="0" tIns="0" rIns="0" bIns="0"/>
-            <a:lstStyle/>
-            <a:p>
-              <a:endParaRPr lang="en-CA"/>
-            </a:p>
-          </p:txBody>
-        </p:sp>
-        <p:sp>
-          <p:nvSpPr>
-            <p:cNvPr id="118" name="Line 35"/>
-            <p:cNvSpPr>
-              <a:spLocks noChangeShapeType="1"/>
-            </p:cNvSpPr>
-            <p:nvPr/>
-          </p:nvSpPr>
-          <p:spPr bwMode="auto">
-            <a:xfrm>
-              <a:off x="2304" y="1536"/>
-              <a:ext cx="0" cy="173"/>
-            </a:xfrm>
-            <a:prstGeom prst="line">
-              <a:avLst/>
-            </a:prstGeom>
-            <a:noFill/>
-            <a:ln w="12700">
-              <a:solidFill>
-                <a:schemeClr val="tx1"/>
-              </a:solidFill>
-              <a:round/>
-              <a:headEnd/>
-              <a:tailEnd/>
-            </a:ln>
-            <a:effectLst/>
-          </p:spPr>
-          <p:txBody>
-            <a:bodyPr lIns="0" tIns="0" rIns="0" bIns="0"/>
-            <a:lstStyle/>
-            <a:p>
-              <a:endParaRPr lang="en-CA"/>
-            </a:p>
-          </p:txBody>
-        </p:sp>
-      </p:grpSp>
       <p:sp>
         <p:nvSpPr>
           <p:cNvPr id="120" name="Oval 119"/>
@@ -7967,7 +7724,7 @@
         </p:nvSpPr>
         <p:spPr>
           <a:xfrm>
-            <a:off x="2362200" y="1981200"/>
+            <a:off x="1312606" y="1997075"/>
             <a:ext cx="228600" cy="457200"/>
           </a:xfrm>
           <a:prstGeom prst="ellipse">
@@ -8021,7 +7778,7 @@
         </p:nvSpPr>
         <p:spPr>
           <a:xfrm>
-            <a:off x="1219200" y="2514600"/>
+            <a:off x="2438400" y="2514600"/>
             <a:ext cx="228600" cy="457200"/>
           </a:xfrm>
           <a:prstGeom prst="ellipse">
@@ -8129,7 +7886,7 @@
         </p:nvSpPr>
         <p:spPr>
           <a:xfrm>
-            <a:off x="1447800" y="3429000"/>
+            <a:off x="1562100" y="3429000"/>
             <a:ext cx="228600" cy="457200"/>
           </a:xfrm>
           <a:prstGeom prst="ellipse">
@@ -8237,7 +7994,7 @@
         </p:nvSpPr>
         <p:spPr>
           <a:xfrm>
-            <a:off x="2057400" y="5181600"/>
+            <a:off x="1483297" y="5181600"/>
             <a:ext cx="228600" cy="457200"/>
           </a:xfrm>
           <a:prstGeom prst="ellipse">
@@ -8291,7 +8048,7 @@
         </p:nvSpPr>
         <p:spPr>
           <a:xfrm>
-            <a:off x="1600200" y="5638800"/>
+            <a:off x="1835128" y="5653881"/>
             <a:ext cx="228600" cy="457200"/>
           </a:xfrm>
           <a:prstGeom prst="ellipse">
@@ -8337,60 +8094,6 @@
           </a:p>
         </p:txBody>
       </p:sp>
-      <p:sp>
-        <p:nvSpPr>
-          <p:cNvPr id="127" name="Oval 126"/>
-          <p:cNvSpPr/>
-          <p:nvPr/>
-        </p:nvSpPr>
-        <p:spPr>
-          <a:xfrm>
-            <a:off x="2209800" y="6096000"/>
-            <a:ext cx="228600" cy="457200"/>
-          </a:xfrm>
-          <a:prstGeom prst="ellipse">
-            <a:avLst/>
-          </a:prstGeom>
-          <a:solidFill>
-            <a:schemeClr val="tx1">
-              <a:lumMod val="50000"/>
-              <a:lumOff val="50000"/>
-            </a:schemeClr>
-          </a:solidFill>
-          <a:ln>
-            <a:solidFill>
-              <a:schemeClr val="tx1">
-                <a:lumMod val="95000"/>
-                <a:lumOff val="5000"/>
-              </a:schemeClr>
-            </a:solidFill>
-          </a:ln>
-        </p:spPr>
-        <p:style>
-          <a:lnRef idx="2">
-            <a:schemeClr val="accent1">
-              <a:shade val="50000"/>
-            </a:schemeClr>
-          </a:lnRef>
-          <a:fillRef idx="1">
-            <a:schemeClr val="accent1"/>
-          </a:fillRef>
-          <a:effectRef idx="0">
-            <a:schemeClr val="accent1"/>
-          </a:effectRef>
-          <a:fontRef idx="minor">
-            <a:schemeClr val="lt1"/>
-          </a:fontRef>
-        </p:style>
-        <p:txBody>
-          <a:bodyPr rtlCol="0" anchor="ctr"/>
-          <a:lstStyle/>
-          <a:p>
-            <a:pPr algn="ctr"/>
-            <a:endParaRPr lang="en-CA"/>
-          </a:p>
-        </p:txBody>
-      </p:sp>
     </p:spTree>
   </p:cSld>
   <p:clrMapOvr>
@@ -8454,8 +8157,8 @@
         </p:nvSpPr>
         <p:spPr>
           <a:xfrm>
-            <a:off x="1438276" y="3276600"/>
-            <a:ext cx="6172200" cy="685800"/>
+            <a:off x="1438275" y="4337273"/>
+            <a:ext cx="7104371" cy="685800"/>
           </a:xfrm>
           <a:prstGeom prst="chevron">
             <a:avLst/>
@@ -8498,7 +8201,7 @@
         </p:nvSpPr>
         <p:spPr>
           <a:xfrm rot="5400000">
-            <a:off x="3267076" y="2971800"/>
+            <a:off x="3267076" y="4032473"/>
             <a:ext cx="838200" cy="228600"/>
           </a:xfrm>
           <a:prstGeom prst="homePlate">
@@ -8550,7 +8253,7 @@
         </p:nvSpPr>
         <p:spPr>
           <a:xfrm rot="5400000">
-            <a:off x="5248276" y="2971800"/>
+            <a:off x="5670188" y="4032473"/>
             <a:ext cx="838200" cy="228600"/>
           </a:xfrm>
           <a:prstGeom prst="homePlate">
@@ -8602,7 +8305,7 @@
         </p:nvSpPr>
         <p:spPr>
           <a:xfrm rot="5400000">
-            <a:off x="7229476" y="2971800"/>
+            <a:off x="8237847" y="4042653"/>
             <a:ext cx="838200" cy="228600"/>
           </a:xfrm>
           <a:prstGeom prst="homePlate">
@@ -8654,7 +8357,7 @@
         </p:nvSpPr>
         <p:spPr>
           <a:xfrm>
-            <a:off x="6848476" y="1828800"/>
+            <a:off x="7448468" y="5099273"/>
             <a:ext cx="1691489" cy="707886"/>
           </a:xfrm>
           <a:prstGeom prst="rect">
@@ -8684,8 +8387,8 @@
         </p:nvSpPr>
         <p:spPr>
           <a:xfrm>
-            <a:off x="1438276" y="2667000"/>
-            <a:ext cx="2057743" cy="523220"/>
+            <a:off x="1438276" y="3727673"/>
+            <a:ext cx="2116798" cy="523220"/>
           </a:xfrm>
           <a:prstGeom prst="rect">
             <a:avLst/>
@@ -8699,8 +8402,12 @@
           <a:lstStyle/>
           <a:p>
             <a:r>
+              <a:rPr lang="en-CA" sz="2800" dirty="0"/>
+              <a:t> </a:t>
+            </a:r>
+            <a:r>
               <a:rPr lang="en-CA" sz="2800" dirty="0" smtClean="0"/>
-              <a:t>Construction</a:t>
+              <a:t>investigation</a:t>
             </a:r>
             <a:endParaRPr lang="en-CA" sz="2800" dirty="0"/>
           </a:p>
@@ -8714,8 +8421,8 @@
         </p:nvSpPr>
         <p:spPr>
           <a:xfrm>
-            <a:off x="4257031" y="2667000"/>
-            <a:ext cx="762645" cy="523220"/>
+            <a:off x="3772229" y="3736266"/>
+            <a:ext cx="2251386" cy="523220"/>
           </a:xfrm>
           <a:prstGeom prst="rect">
             <a:avLst/>
@@ -8729,8 +8436,8 @@
           <a:lstStyle/>
           <a:p>
             <a:r>
-              <a:rPr lang="en-CA" sz="2800" dirty="0" smtClean="0"/>
-              <a:t>UAT</a:t>
+              <a:rPr lang="en-CA" sz="2800" dirty="0"/>
+              <a:t>System design</a:t>
             </a:r>
             <a:endParaRPr lang="en-CA" sz="2800" dirty="0"/>
           </a:p>
@@ -8744,8 +8451,8 @@
         </p:nvSpPr>
         <p:spPr>
           <a:xfrm>
-            <a:off x="6010276" y="2677180"/>
-            <a:ext cx="1336456" cy="523220"/>
+            <a:off x="6536199" y="3459366"/>
+            <a:ext cx="1824538" cy="954107"/>
           </a:xfrm>
           <a:prstGeom prst="rect">
             <a:avLst/>
@@ -8758,9 +8465,17 @@
           </a:bodyPr>
           <a:lstStyle/>
           <a:p>
+            <a:pPr algn="ctr"/>
             <a:r>
               <a:rPr lang="en-CA" sz="2800" dirty="0" smtClean="0"/>
-              <a:t>Training</a:t>
+              <a:t>Coding and</a:t>
+            </a:r>
+            <a:br>
+              <a:rPr lang="en-CA" sz="2800" dirty="0" smtClean="0"/>
+            </a:br>
+            <a:r>
+              <a:rPr lang="en-CA" sz="2800" dirty="0" smtClean="0"/>
+              <a:t>debug</a:t>
             </a:r>
             <a:endParaRPr lang="en-CA" sz="2800" dirty="0"/>
           </a:p>
@@ -8774,8 +8489,8 @@
         </p:nvSpPr>
         <p:spPr>
           <a:xfrm>
-            <a:off x="1819276" y="3352800"/>
-            <a:ext cx="1659300" cy="523220"/>
+            <a:off x="2330678" y="4413473"/>
+            <a:ext cx="976549" cy="523220"/>
           </a:xfrm>
           <a:prstGeom prst="rect">
             <a:avLst/>
@@ -8794,7 +8509,7 @@
                   <a:schemeClr val="bg1"/>
                 </a:solidFill>
               </a:rPr>
-              <a:t>~3months</a:t>
+              <a:t>finish</a:t>
             </a:r>
             <a:endParaRPr lang="en-CA" sz="2800" dirty="0">
               <a:solidFill>
@@ -8812,8 +8527,8 @@
         </p:nvSpPr>
         <p:spPr>
           <a:xfrm>
-            <a:off x="4144975" y="3352800"/>
-            <a:ext cx="950901" cy="523220"/>
+            <a:off x="4144975" y="4413473"/>
+            <a:ext cx="1172116" cy="523220"/>
           </a:xfrm>
           <a:prstGeom prst="rect">
             <a:avLst/>
@@ -8832,7 +8547,23 @@
                   <a:schemeClr val="bg1"/>
                 </a:solidFill>
               </a:rPr>
-              <a:t> 1 wk</a:t>
+              <a:t> </a:t>
+            </a:r>
+            <a:r>
+              <a:rPr lang="ja-JP" altLang="en-US" sz="2800" dirty="0" smtClean="0">
+                <a:solidFill>
+                  <a:schemeClr val="bg1"/>
+                </a:solidFill>
+              </a:rPr>
+              <a:t>～</a:t>
+            </a:r>
+            <a:r>
+              <a:rPr lang="en-US" altLang="ja-JP" sz="2800" dirty="0" smtClean="0">
+                <a:solidFill>
+                  <a:schemeClr val="bg1"/>
+                </a:solidFill>
+              </a:rPr>
+              <a:t>July</a:t>
             </a:r>
             <a:endParaRPr lang="en-CA" sz="2800" dirty="0">
               <a:solidFill>
@@ -8850,8 +8581,8 @@
         </p:nvSpPr>
         <p:spPr>
           <a:xfrm>
-            <a:off x="6126175" y="3352800"/>
-            <a:ext cx="950901" cy="523220"/>
+            <a:off x="6767536" y="4413473"/>
+            <a:ext cx="1282723" cy="523220"/>
           </a:xfrm>
           <a:prstGeom prst="rect">
             <a:avLst/>
@@ -8870,7 +8601,23 @@
                   <a:schemeClr val="bg1"/>
                 </a:solidFill>
               </a:rPr>
-              <a:t> 1 wk</a:t>
+              <a:t> </a:t>
+            </a:r>
+            <a:r>
+              <a:rPr lang="ja-JP" altLang="en-US" sz="2800" dirty="0" smtClean="0">
+                <a:solidFill>
+                  <a:schemeClr val="bg1"/>
+                </a:solidFill>
+              </a:rPr>
+              <a:t>～</a:t>
+            </a:r>
+            <a:r>
+              <a:rPr lang="en-US" altLang="ja-JP" sz="2800" dirty="0" smtClean="0">
+                <a:solidFill>
+                  <a:schemeClr val="bg1"/>
+                </a:solidFill>
+              </a:rPr>
+              <a:t>Aug.</a:t>
             </a:r>
             <a:endParaRPr lang="en-CA" sz="2800" dirty="0">
               <a:solidFill>
@@ -8888,8 +8635,8 @@
         </p:nvSpPr>
         <p:spPr>
           <a:xfrm>
-            <a:off x="1383190" y="4114800"/>
-            <a:ext cx="6313010" cy="707886"/>
+            <a:off x="1361067" y="5529416"/>
+            <a:ext cx="4148956" cy="707886"/>
           </a:xfrm>
           <a:prstGeom prst="rect">
             <a:avLst/>
@@ -8907,7 +8654,21 @@
                 <a:latin typeface="Calibri Bold" pitchFamily="34" charset="0"/>
                 <a:cs typeface="Calibri Bold" pitchFamily="34" charset="0"/>
               </a:rPr>
-              <a:t>3 people, 3 ½ months, $250K</a:t>
+              <a:t>2 </a:t>
+            </a:r>
+            <a:r>
+              <a:rPr lang="en-CA" sz="4000" dirty="0" smtClean="0">
+                <a:latin typeface="Calibri Bold" pitchFamily="34" charset="0"/>
+                <a:cs typeface="Calibri Bold" pitchFamily="34" charset="0"/>
+              </a:rPr>
+              <a:t>people, </a:t>
+            </a:r>
+            <a:r>
+              <a:rPr lang="en-CA" sz="4000" dirty="0" smtClean="0">
+                <a:latin typeface="Calibri Bold" pitchFamily="34" charset="0"/>
+                <a:cs typeface="Calibri Bold" pitchFamily="34" charset="0"/>
+              </a:rPr>
+              <a:t>months,</a:t>
             </a:r>
             <a:endParaRPr lang="en-CA" sz="4000" dirty="0">
               <a:latin typeface="Calibri Bold" pitchFamily="34" charset="0"/>
@@ -8933,7 +8694,7 @@
         </p:blipFill>
         <p:spPr bwMode="auto">
           <a:xfrm>
-            <a:off x="228600" y="3198813"/>
+            <a:off x="228600" y="4259486"/>
             <a:ext cx="1066800" cy="839787"/>
           </a:xfrm>
           <a:prstGeom prst="rect">
@@ -8948,145 +8709,82 @@
           </a:ln>
         </p:spPr>
       </p:pic>
-    </p:spTree>
-  </p:cSld>
-  <p:clrMapOvr>
-    <a:masterClrMapping/>
-  </p:clrMapOvr>
-  <p:timing>
-    <p:tnLst>
-      <p:par>
-        <p:cTn id="1" dur="indefinite" restart="never" nodeType="tmRoot"/>
-      </p:par>
-    </p:tnLst>
-  </p:timing>
-</p:sld>
-</file>
-
-<file path=ppt/slides/slide13.xml><?xml version="1.0" encoding="utf-8"?>
-<p:sld xmlns:a="http://schemas.openxmlformats.org/drawingml/2006/main" xmlns:r="http://schemas.openxmlformats.org/officeDocument/2006/relationships" xmlns:p="http://schemas.openxmlformats.org/presentationml/2006/main">
-  <p:cSld>
-    <p:spTree>
-      <p:nvGrpSpPr>
-        <p:cNvPr id="1" name=""/>
-        <p:cNvGrpSpPr/>
-        <p:nvPr/>
-      </p:nvGrpSpPr>
-      <p:grpSpPr>
-        <a:xfrm>
-          <a:off x="0" y="0"/>
-          <a:ext cx="0" cy="0"/>
-          <a:chOff x="0" y="0"/>
-          <a:chExt cx="0" cy="0"/>
-        </a:xfrm>
-      </p:grpSpPr>
-      <p:sp>
-        <p:nvSpPr>
-          <p:cNvPr id="2" name="Title 1"/>
-          <p:cNvSpPr>
-            <a:spLocks noGrp="1"/>
-          </p:cNvSpPr>
-          <p:nvPr>
-            <p:ph type="title"/>
-          </p:nvPr>
-        </p:nvSpPr>
-        <p:spPr/>
-        <p:txBody>
-          <a:bodyPr/>
-          <a:lstStyle/>
-          <a:p>
-            <a:r>
-              <a:rPr lang="en-CA" dirty="0" smtClean="0"/>
-              <a:t>Learn more</a:t>
-            </a:r>
-            <a:endParaRPr lang="en-CA" dirty="0"/>
-          </a:p>
-        </p:txBody>
-      </p:sp>
-      <p:sp>
-        <p:nvSpPr>
-          <p:cNvPr id="3" name="Content Placeholder 2"/>
-          <p:cNvSpPr>
-            <a:spLocks noGrp="1"/>
-          </p:cNvSpPr>
-          <p:nvPr>
-            <p:ph idx="1"/>
-          </p:nvPr>
-        </p:nvSpPr>
-        <p:spPr/>
-        <p:txBody>
-          <a:bodyPr/>
-          <a:lstStyle/>
-          <a:p>
-            <a:r>
-              <a:rPr lang="en-CA" dirty="0" smtClean="0">
-                <a:hlinkClick r:id="rId3"/>
-              </a:rPr>
-              <a:t>http://agilewarrior.wordpress.com</a:t>
-            </a:r>
-            <a:endParaRPr lang="en-CA" dirty="0" smtClean="0"/>
-          </a:p>
-          <a:p>
-            <a:r>
-              <a:rPr lang="en-CA" dirty="0" smtClean="0"/>
-              <a:t>Buy the book!</a:t>
-            </a:r>
-          </a:p>
-          <a:p>
-            <a:endParaRPr lang="en-CA" dirty="0" smtClean="0"/>
-          </a:p>
-          <a:p>
-            <a:r>
-              <a:rPr lang="en-CA" dirty="0" smtClean="0"/>
-              <a:t>Twitter:</a:t>
-            </a:r>
-          </a:p>
-          <a:p>
-            <a:pPr lvl="1"/>
-            <a:r>
-              <a:rPr lang="en-CA" dirty="0" smtClean="0"/>
-              <a:t>@</a:t>
-            </a:r>
-            <a:r>
-              <a:rPr lang="en-CA" dirty="0" err="1" smtClean="0"/>
-              <a:t>jrasmusson</a:t>
-            </a:r>
-            <a:endParaRPr lang="en-CA" dirty="0"/>
-          </a:p>
-        </p:txBody>
-      </p:sp>
-      <p:pic>
-        <p:nvPicPr>
-          <p:cNvPr id="4" name="Picture 3"/>
-          <p:cNvPicPr>
-            <a:picLocks noChangeAspect="1" noChangeArrowheads="1"/>
-          </p:cNvPicPr>
+      <p:sp>
+        <p:nvSpPr>
+          <p:cNvPr id="19" name="TextBox 16"/>
+          <p:cNvSpPr txBox="1"/>
           <p:nvPr/>
-        </p:nvPicPr>
-        <p:blipFill>
-          <a:blip r:embed="rId4" cstate="print"/>
-          <a:srcRect/>
-          <a:stretch>
-            <a:fillRect/>
-          </a:stretch>
-        </p:blipFill>
-        <p:spPr bwMode="auto">
+        </p:nvSpPr>
+        <p:spPr>
           <a:xfrm>
-            <a:off x="4343400" y="2451100"/>
-            <a:ext cx="2946400" cy="3797300"/>
+            <a:off x="505458" y="1246483"/>
+            <a:ext cx="8265789" cy="1569660"/>
           </a:xfrm>
           <a:prstGeom prst="rect">
             <a:avLst/>
           </a:prstGeom>
           <a:noFill/>
-          <a:ln w="12700" cap="flat">
-            <a:noFill/>
-            <a:miter lim="800000"/>
-            <a:headEnd/>
-            <a:tailEnd/>
-          </a:ln>
         </p:spPr>
-      </p:pic>
+        <p:txBody>
+          <a:bodyPr wrap="none" rtlCol="0">
+            <a:spAutoFit/>
+          </a:bodyPr>
+          <a:lstStyle/>
+          <a:p>
+            <a:r>
+              <a:rPr lang="en-CA" sz="3200" dirty="0" smtClean="0">
+                <a:latin typeface="Calibri Bold" pitchFamily="34" charset="0"/>
+                <a:cs typeface="Calibri Bold" pitchFamily="34" charset="0"/>
+              </a:rPr>
+              <a:t>First System :</a:t>
+            </a:r>
+            <a:br>
+              <a:rPr lang="en-CA" sz="3200" dirty="0" smtClean="0">
+                <a:latin typeface="Calibri Bold" pitchFamily="34" charset="0"/>
+                <a:cs typeface="Calibri Bold" pitchFamily="34" charset="0"/>
+              </a:rPr>
+            </a:br>
+            <a:r>
+              <a:rPr lang="en-CA" sz="3200" dirty="0" smtClean="0">
+                <a:latin typeface="Calibri Bold" pitchFamily="34" charset="0"/>
+                <a:cs typeface="Calibri Bold" pitchFamily="34" charset="0"/>
+              </a:rPr>
+              <a:t>Detect temperature &amp; humidity of Greenhouse.</a:t>
+            </a:r>
+            <a:br>
+              <a:rPr lang="en-CA" sz="3200" dirty="0" smtClean="0">
+                <a:latin typeface="Calibri Bold" pitchFamily="34" charset="0"/>
+                <a:cs typeface="Calibri Bold" pitchFamily="34" charset="0"/>
+              </a:rPr>
+            </a:br>
+            <a:r>
+              <a:rPr lang="en-CA" sz="3200" dirty="0" smtClean="0">
+                <a:latin typeface="Calibri Bold" pitchFamily="34" charset="0"/>
+                <a:cs typeface="Calibri Bold" pitchFamily="34" charset="0"/>
+              </a:rPr>
+              <a:t>Show the log on web site(</a:t>
+            </a:r>
+            <a:r>
+              <a:rPr lang="en-CA" sz="3200" dirty="0" err="1" smtClean="0">
+                <a:latin typeface="Calibri Bold" pitchFamily="34" charset="0"/>
+                <a:cs typeface="Calibri Bold" pitchFamily="34" charset="0"/>
+              </a:rPr>
+              <a:t>SmartGreenhousing</a:t>
+            </a:r>
+            <a:r>
+              <a:rPr lang="en-CA" sz="3200" dirty="0" smtClean="0">
+                <a:latin typeface="Calibri Bold" pitchFamily="34" charset="0"/>
+                <a:cs typeface="Calibri Bold" pitchFamily="34" charset="0"/>
+              </a:rPr>
+              <a:t>)</a:t>
+            </a:r>
+            <a:endParaRPr lang="en-CA" sz="3200" dirty="0">
+              <a:latin typeface="Calibri Bold" pitchFamily="34" charset="0"/>
+              <a:cs typeface="Calibri Bold" pitchFamily="34" charset="0"/>
+            </a:endParaRPr>
+          </a:p>
+        </p:txBody>
+      </p:sp>
     </p:spTree>
   </p:cSld>
   <p:clrMapOvr>
@@ -9376,11 +9074,6 @@
               </a:rPr>
               <a:t>]</a:t>
             </a:r>
-            <a:endParaRPr lang="en-CA" dirty="0" smtClean="0">
-              <a:solidFill>
-                <a:srgbClr val="008000"/>
-              </a:solidFill>
-            </a:endParaRPr>
           </a:p>
           <a:p>
             <a:r>
@@ -9395,11 +9088,6 @@
               </a:rPr>
               <a:t>[want to remote control of greenhouse]</a:t>
             </a:r>
-            <a:endParaRPr lang="en-CA" dirty="0" smtClean="0">
-              <a:solidFill>
-                <a:srgbClr val="008000"/>
-              </a:solidFill>
-            </a:endParaRPr>
           </a:p>
           <a:p>
             <a:r>
@@ -9414,11 +9102,6 @@
               </a:rPr>
               <a:t>[SmartGreenhousing]</a:t>
             </a:r>
-            <a:endParaRPr lang="en-CA" dirty="0" smtClean="0">
-              <a:solidFill>
-                <a:srgbClr val="008000"/>
-              </a:solidFill>
-            </a:endParaRPr>
           </a:p>
           <a:p>
             <a:r>
@@ -9433,11 +9116,6 @@
               </a:rPr>
               <a:t>[agricultural assist tools]</a:t>
             </a:r>
-            <a:endParaRPr lang="en-CA" dirty="0" smtClean="0">
-              <a:solidFill>
-                <a:srgbClr val="008000"/>
-              </a:solidFill>
-            </a:endParaRPr>
           </a:p>
           <a:p>
             <a:r>
@@ -9472,7 +9150,6 @@
               <a:rPr lang="en-CA" dirty="0" smtClean="0"/>
               <a:t>.</a:t>
             </a:r>
-            <a:endParaRPr lang="en-CA" dirty="0" smtClean="0"/>
           </a:p>
           <a:p>
             <a:r>
@@ -9485,21 +9162,8 @@
                   <a:srgbClr val="008000"/>
                 </a:solidFill>
               </a:rPr>
-              <a:t>[current </a:t>
-            </a:r>
-            <a:r>
-              <a:rPr lang="en-CA" dirty="0" smtClean="0">
-                <a:solidFill>
-                  <a:srgbClr val="008000"/>
-                </a:solidFill>
-              </a:rPr>
-              <a:t>sensing system]</a:t>
-            </a:r>
-            <a:endParaRPr lang="en-CA" dirty="0" smtClean="0">
-              <a:solidFill>
-                <a:srgbClr val="008000"/>
-              </a:solidFill>
-            </a:endParaRPr>
+              <a:t>[current sensing system]</a:t>
+            </a:r>
           </a:p>
           <a:p>
             <a:r>
@@ -9647,7 +9311,7 @@
         </p:nvSpPr>
         <p:spPr>
           <a:xfrm>
-            <a:off x="2819400" y="1915180"/>
+            <a:off x="2834148" y="1524000"/>
             <a:ext cx="3908851" cy="523220"/>
           </a:xfrm>
           <a:prstGeom prst="rect">
@@ -9677,8 +9341,8 @@
         </p:nvSpPr>
         <p:spPr>
           <a:xfrm>
-            <a:off x="3124200" y="2514600"/>
-            <a:ext cx="3048000" cy="1524000"/>
+            <a:off x="3124200" y="2215350"/>
+            <a:ext cx="3048000" cy="1823250"/>
           </a:xfrm>
           <a:prstGeom prst="rect">
             <a:avLst/>
@@ -9714,36 +9378,6 @@
       </p:sp>
       <p:sp>
         <p:nvSpPr>
-          <p:cNvPr id="5" name="TextBox 4"/>
-          <p:cNvSpPr txBox="1"/>
-          <p:nvPr/>
-        </p:nvSpPr>
-        <p:spPr>
-          <a:xfrm>
-            <a:off x="3655988" y="3058180"/>
-            <a:ext cx="1784527" cy="523220"/>
-          </a:xfrm>
-          <a:prstGeom prst="rect">
-            <a:avLst/>
-          </a:prstGeom>
-          <a:noFill/>
-        </p:spPr>
-        <p:txBody>
-          <a:bodyPr wrap="none" rtlCol="0">
-            <a:spAutoFit/>
-          </a:bodyPr>
-          <a:lstStyle/>
-          <a:p>
-            <a:r>
-              <a:rPr lang="en-CA" sz="2800" dirty="0" smtClean="0"/>
-              <a:t>fun picture</a:t>
-            </a:r>
-            <a:endParaRPr lang="en-CA" sz="2800" dirty="0"/>
-          </a:p>
-        </p:txBody>
-      </p:sp>
-      <p:sp>
-        <p:nvSpPr>
           <p:cNvPr id="6" name="TextBox 5"/>
           <p:cNvSpPr txBox="1"/>
           <p:nvPr/>
@@ -9832,6 +9466,70 @@
           </a:p>
         </p:txBody>
       </p:sp>
+      <p:pic>
+        <p:nvPicPr>
+          <p:cNvPr id="12" name="Picture 2"/>
+          <p:cNvPicPr>
+            <a:picLocks noChangeAspect="1" noChangeArrowheads="1"/>
+          </p:cNvPicPr>
+          <p:nvPr/>
+        </p:nvPicPr>
+        <p:blipFill>
+          <a:blip r:embed="rId3" cstate="print">
+            <a:extLst>
+              <a:ext uri="{28A0092B-C50C-407E-A947-70E740481C1C}">
+                <a14:useLocalDpi xmlns:a14="http://schemas.microsoft.com/office/drawing/2010/main" val="0"/>
+              </a:ext>
+            </a:extLst>
+          </a:blip>
+          <a:srcRect/>
+          <a:stretch>
+            <a:fillRect/>
+          </a:stretch>
+        </p:blipFill>
+        <p:spPr bwMode="auto">
+          <a:xfrm>
+            <a:off x="3358073" y="2215350"/>
+            <a:ext cx="2762507" cy="1813070"/>
+          </a:xfrm>
+          <a:prstGeom prst="rect">
+            <a:avLst/>
+          </a:prstGeom>
+          <a:noFill/>
+          <a:ln>
+            <a:noFill/>
+          </a:ln>
+          <a:effectLst/>
+          <a:extLst>
+            <a:ext uri="{909E8E84-426E-40DD-AFC4-6F175D3DCCD1}">
+              <a14:hiddenFill xmlns:a14="http://schemas.microsoft.com/office/drawing/2010/main">
+                <a:solidFill>
+                  <a:schemeClr val="accent1"/>
+                </a:solidFill>
+              </a14:hiddenFill>
+            </a:ext>
+            <a:ext uri="{91240B29-F687-4F45-9708-019B960494DF}">
+              <a14:hiddenLine xmlns:a14="http://schemas.microsoft.com/office/drawing/2010/main" w="9525">
+                <a:solidFill>
+                  <a:schemeClr val="tx1"/>
+                </a:solidFill>
+                <a:miter lim="800000"/>
+                <a:headEnd/>
+                <a:tailEnd/>
+              </a14:hiddenLine>
+            </a:ext>
+            <a:ext uri="{AF507438-7753-43E0-B8FC-AC1667EBCBE1}">
+              <a14:hiddenEffects xmlns:a14="http://schemas.microsoft.com/office/drawing/2010/main">
+                <a:effectLst>
+                  <a:outerShdw dist="35921" dir="2700000" algn="ctr" rotWithShape="0">
+                    <a:schemeClr val="bg2"/>
+                  </a:outerShdw>
+                </a:effectLst>
+              </a14:hiddenEffects>
+            </a:ext>
+          </a:extLst>
+        </p:spPr>
+      </p:pic>
     </p:spTree>
   </p:cSld>
   <p:clrMapOvr>
@@ -11576,22 +11274,12 @@
               <a:rPr lang="en-CA" dirty="0" smtClean="0"/>
               <a:t>&lt;give up&gt;</a:t>
             </a:r>
-            <a:endParaRPr lang="en-CA" dirty="0" smtClean="0"/>
           </a:p>
           <a:p>
             <a:r>
               <a:rPr lang="en-CA" dirty="0" smtClean="0"/>
-              <a:t>&lt;</a:t>
-            </a:r>
-            <a:r>
-              <a:rPr lang="en-CA" dirty="0" smtClean="0"/>
-              <a:t>get a disease</a:t>
-            </a:r>
-            <a:r>
-              <a:rPr lang="en-CA" dirty="0" smtClean="0"/>
-              <a:t>&gt;</a:t>
-            </a:r>
-            <a:endParaRPr lang="en-CA" dirty="0" smtClean="0"/>
+              <a:t>&lt;get a disease&gt;</a:t>
+            </a:r>
           </a:p>
           <a:p>
             <a:r>
@@ -11751,21 +11439,21 @@
       </p:sp>
       <p:graphicFrame>
         <p:nvGraphicFramePr>
-          <p:cNvPr id="4" name="Table 3"/>
+          <p:cNvPr id="5" name="Table 3"/>
           <p:cNvGraphicFramePr>
             <a:graphicFrameLocks noGrp="1"/>
           </p:cNvGraphicFramePr>
           <p:nvPr>
             <p:extLst>
               <p:ext uri="{D42A27DB-BD31-4B8C-83A1-F6EECF244321}">
-                <p14:modId xmlns:p14="http://schemas.microsoft.com/office/powerpoint/2010/main" val="1900477436"/>
+                <p14:modId xmlns:p14="http://schemas.microsoft.com/office/powerpoint/2010/main" val="1966133835"/>
               </p:ext>
             </p:extLst>
           </p:nvPr>
         </p:nvGraphicFramePr>
         <p:xfrm>
-          <a:off x="304799" y="1397000"/>
-          <a:ext cx="8686802" cy="4333240"/>
+          <a:off x="152401" y="1397000"/>
+          <a:ext cx="8839200" cy="4064000"/>
         </p:xfrm>
         <a:graphic>
           <a:graphicData uri="http://schemas.openxmlformats.org/drawingml/2006/table">
@@ -11774,9 +11462,9 @@
                 <a:tableStyleId>{5C22544A-7EE6-4342-B048-85BDC9FD1C3A}</a:tableStyleId>
               </a:tblPr>
               <a:tblGrid>
-                <a:gridCol w="1066801"/>
+                <a:gridCol w="1371599"/>
                 <a:gridCol w="1752600"/>
-                <a:gridCol w="5867401"/>
+                <a:gridCol w="5715001"/>
               </a:tblGrid>
               <a:tr h="370840">
                 <a:tc>
@@ -11786,7 +11474,7 @@
                     <a:p>
                       <a:r>
                         <a:rPr lang="en-CA" sz="2400" dirty="0" smtClean="0"/>
-                        <a:t>Name</a:t>
+                        <a:t>Member</a:t>
                       </a:r>
                       <a:endParaRPr lang="en-CA" sz="2400" dirty="0"/>
                     </a:p>
@@ -11800,7 +11488,7 @@
                     <a:p>
                       <a:r>
                         <a:rPr lang="en-CA" sz="2400" dirty="0" smtClean="0"/>
-                        <a:t>Role</a:t>
+                        <a:t>Features</a:t>
                       </a:r>
                       <a:endParaRPr lang="en-CA" sz="2400" dirty="0"/>
                     </a:p>
@@ -11880,7 +11568,6 @@
                         <a:rPr lang="en-CA" dirty="0" smtClean="0"/>
                         <a:t>cultivation.</a:t>
                       </a:r>
-                      <a:endParaRPr lang="en-CA" dirty="0" smtClean="0"/>
                     </a:p>
                   </a:txBody>
                   <a:tcPr/>
@@ -11950,6 +11637,10 @@
                     <a:bodyPr/>
                     <a:lstStyle/>
                     <a:p>
+                      <a:r>
+                        <a:rPr lang="en-CA" dirty="0" smtClean="0"/>
+                        <a:t>Knowledge</a:t>
+                      </a:r>
                       <a:endParaRPr lang="en-CA" dirty="0"/>
                     </a:p>
                   </a:txBody>
@@ -11966,15 +11657,11 @@
                       </a:r>
                       <a:r>
                         <a:rPr lang="en-CA" baseline="0" dirty="0" smtClean="0"/>
-                        <a:t>, </a:t>
-                      </a:r>
-                      <a:r>
-                        <a:rPr lang="en-CA" baseline="0" dirty="0" err="1" smtClean="0"/>
-                        <a:t>Arduino</a:t>
+                        <a:t>, Arduino development, </a:t>
                       </a:r>
                       <a:r>
                         <a:rPr lang="en-CA" baseline="0" dirty="0" smtClean="0"/>
-                        <a:t> development, </a:t>
+                        <a:t> </a:t>
                       </a:r>
                       <a:endParaRPr lang="en-CA" dirty="0" smtClean="0"/>
                     </a:p>
@@ -11983,132 +11670,6 @@
                 </a:tc>
               </a:tr>
               <a:tr h="370840">
-                <a:tc>
-                  <a:txBody>
-                    <a:bodyPr/>
-                    <a:lstStyle/>
-                    <a:p>
-                      <a:r>
-                        <a:rPr lang="en-CA" dirty="0" smtClean="0"/>
-                        <a:t>2</a:t>
-                      </a:r>
-                      <a:endParaRPr lang="en-CA" dirty="0"/>
-                    </a:p>
-                  </a:txBody>
-                  <a:tcPr/>
-                </a:tc>
-                <a:tc>
-                  <a:txBody>
-                    <a:bodyPr/>
-                    <a:lstStyle/>
-                    <a:p>
-                      <a:r>
-                        <a:rPr lang="en-CA" dirty="0" smtClean="0"/>
-                        <a:t>S.M</a:t>
-                      </a:r>
-                      <a:endParaRPr lang="en-CA" dirty="0"/>
-                    </a:p>
-                  </a:txBody>
-                  <a:tcPr/>
-                </a:tc>
-                <a:tc>
-                  <a:txBody>
-                    <a:bodyPr/>
-                    <a:lstStyle/>
-                    <a:p>
-                      <a:r>
-                        <a:rPr lang="en-CA" dirty="0" smtClean="0"/>
-                        <a:t>C#, MVC.NET,</a:t>
-                      </a:r>
-                      <a:r>
-                        <a:rPr lang="en-CA" baseline="0" dirty="0" smtClean="0"/>
-                        <a:t> </a:t>
-                      </a:r>
-                      <a:r>
-                        <a:rPr lang="en-CA" baseline="0" dirty="0" err="1" smtClean="0"/>
-                        <a:t>jQuery</a:t>
-                      </a:r>
-                      <a:r>
-                        <a:rPr lang="en-CA" baseline="0" dirty="0" smtClean="0"/>
-                        <a:t>, SQL</a:t>
-                      </a:r>
-                    </a:p>
-                    <a:p>
-                      <a:r>
-                        <a:rPr lang="en-CA" baseline="0" dirty="0" smtClean="0"/>
-                        <a:t>Unit testing, refactoring, TDD, continuous integration</a:t>
-                      </a:r>
-                      <a:endParaRPr lang="en-CA" dirty="0"/>
-                    </a:p>
-                  </a:txBody>
-                  <a:tcPr/>
-                </a:tc>
-              </a:tr>
-              <a:tr h="370840">
-                <a:tc>
-                  <a:txBody>
-                    <a:bodyPr/>
-                    <a:lstStyle/>
-                    <a:p>
-                      <a:r>
-                        <a:rPr lang="en-CA" dirty="0" smtClean="0"/>
-                        <a:t>0.5</a:t>
-                      </a:r>
-                      <a:endParaRPr lang="en-CA" dirty="0"/>
-                    </a:p>
-                  </a:txBody>
-                  <a:tcPr/>
-                </a:tc>
-                <a:tc>
-                  <a:txBody>
-                    <a:bodyPr/>
-                    <a:lstStyle/>
-                    <a:p>
-                      <a:r>
-                        <a:rPr lang="en-CA" dirty="0" smtClean="0"/>
-                        <a:t>Project manager</a:t>
-                      </a:r>
-                      <a:endParaRPr lang="en-CA" dirty="0"/>
-                    </a:p>
-                  </a:txBody>
-                  <a:tcPr/>
-                </a:tc>
-                <a:tc>
-                  <a:txBody>
-                    <a:bodyPr/>
-                    <a:lstStyle/>
-                    <a:p>
-                      <a:r>
-                        <a:rPr lang="en-CA" dirty="0" smtClean="0"/>
-                        <a:t>Responsible for outward facing</a:t>
-                      </a:r>
-                      <a:r>
-                        <a:rPr lang="en-CA" baseline="0" dirty="0" smtClean="0"/>
-                        <a:t> communication</a:t>
-                      </a:r>
-                    </a:p>
-                    <a:p>
-                      <a:r>
-                        <a:rPr lang="en-CA" baseline="0" dirty="0" smtClean="0"/>
-                        <a:t>Status reports, scope, budget, and reporting upwards</a:t>
-                      </a:r>
-                      <a:endParaRPr lang="en-CA" dirty="0"/>
-                    </a:p>
-                  </a:txBody>
-                  <a:tcPr/>
-                </a:tc>
-              </a:tr>
-              <a:tr h="370840">
-                <a:tc>
-                  <a:txBody>
-                    <a:bodyPr/>
-                    <a:lstStyle/>
-                    <a:p>
-                      <a:endParaRPr lang="en-CA"/>
-                    </a:p>
-                  </a:txBody>
-                  <a:tcPr/>
-                </a:tc>
                 <a:tc>
                   <a:txBody>
                     <a:bodyPr/>
@@ -12129,6 +11690,45 @@
                   </a:txBody>
                   <a:tcPr/>
                 </a:tc>
+                <a:tc>
+                  <a:txBody>
+                    <a:bodyPr/>
+                    <a:lstStyle/>
+                    <a:p>
+                      <a:pPr marL="0" marR="0" indent="0" algn="l" defTabSz="914400" rtl="0" eaLnBrk="1" fontAlgn="auto" latinLnBrk="0" hangingPunct="1">
+                        <a:lnSpc>
+                          <a:spcPct val="100000"/>
+                        </a:lnSpc>
+                        <a:spcBef>
+                          <a:spcPts val="0"/>
+                        </a:spcBef>
+                        <a:spcAft>
+                          <a:spcPts val="0"/>
+                        </a:spcAft>
+                        <a:buClrTx/>
+                        <a:buSzTx/>
+                        <a:buFontTx/>
+                        <a:buNone/>
+                        <a:tabLst/>
+                        <a:defRPr/>
+                      </a:pPr>
+                      <a:r>
+                        <a:rPr lang="en-CA" altLang="ja-JP" baseline="0" dirty="0" smtClean="0"/>
+                        <a:t>Mainly </a:t>
+                      </a:r>
+                      <a:r>
+                        <a:rPr lang="en-CA" dirty="0" smtClean="0"/>
+                        <a:t>In</a:t>
+                      </a:r>
+                      <a:r>
+                        <a:rPr lang="en-CA" baseline="0" dirty="0" smtClean="0"/>
+                        <a:t> charge of embedded system</a:t>
+                      </a:r>
+                      <a:endParaRPr lang="en-CA" dirty="0" smtClean="0"/>
+                    </a:p>
+                  </a:txBody>
+                  <a:tcPr/>
+                </a:tc>
               </a:tr>
               <a:tr h="370840">
                 <a:tc>
@@ -12136,17 +11736,7 @@
                     <a:bodyPr/>
                     <a:lstStyle/>
                     <a:p>
-                      <a:endParaRPr lang="en-CA"/>
-                    </a:p>
-                  </a:txBody>
-                  <a:tcPr/>
-                </a:tc>
-                <a:tc>
-                  <a:txBody>
-                    <a:bodyPr/>
-                    <a:lstStyle/>
-                    <a:p>
-                      <a:endParaRPr lang="en-CA"/>
+                      <a:endParaRPr lang="en-CA" dirty="0"/>
                     </a:p>
                   </a:txBody>
                   <a:tcPr/>
@@ -12161,34 +11751,29 @@
                   </a:txBody>
                   <a:tcPr/>
                 </a:tc>
-              </a:tr>
-              <a:tr h="370840">
                 <a:tc>
                   <a:txBody>
                     <a:bodyPr/>
                     <a:lstStyle/>
                     <a:p>
-                      <a:endParaRPr lang="en-CA"/>
-                    </a:p>
-                  </a:txBody>
-                  <a:tcPr/>
-                </a:tc>
-                <a:tc>
-                  <a:txBody>
-                    <a:bodyPr/>
-                    <a:lstStyle/>
-                    <a:p>
-                      <a:endParaRPr lang="en-CA"/>
-                    </a:p>
-                  </a:txBody>
-                  <a:tcPr/>
-                </a:tc>
-                <a:tc>
-                  <a:txBody>
-                    <a:bodyPr/>
-                    <a:lstStyle/>
-                    <a:p>
-                      <a:endParaRPr lang="en-CA"/>
+                      <a:pPr marL="0" marR="0" indent="0" algn="l" defTabSz="914400" rtl="0" eaLnBrk="1" fontAlgn="auto" latinLnBrk="0" hangingPunct="1">
+                        <a:lnSpc>
+                          <a:spcPct val="100000"/>
+                        </a:lnSpc>
+                        <a:spcBef>
+                          <a:spcPts val="0"/>
+                        </a:spcBef>
+                        <a:spcAft>
+                          <a:spcPts val="0"/>
+                        </a:spcAft>
+                        <a:buClrTx/>
+                        <a:buSzTx/>
+                        <a:buFontTx/>
+                        <a:buNone/>
+                        <a:tabLst/>
+                        <a:defRPr/>
+                      </a:pPr>
+                      <a:endParaRPr lang="en-CA" dirty="0" smtClean="0"/>
                     </a:p>
                   </a:txBody>
                   <a:tcPr/>
@@ -12200,7 +11785,11 @@
                     <a:bodyPr/>
                     <a:lstStyle/>
                     <a:p>
-                      <a:endParaRPr lang="en-CA"/>
+                      <a:r>
+                        <a:rPr lang="en-CA" dirty="0" smtClean="0"/>
+                        <a:t>K-ma</a:t>
+                      </a:r>
+                      <a:endParaRPr lang="en-CA" dirty="0"/>
                     </a:p>
                   </a:txBody>
                   <a:tcPr/>
@@ -12210,7 +11799,95 @@
                     <a:bodyPr/>
                     <a:lstStyle/>
                     <a:p>
-                      <a:endParaRPr lang="en-CA"/>
+                      <a:r>
+                        <a:rPr lang="en-US" altLang="ja-JP" dirty="0" smtClean="0"/>
+                        <a:t>Scrum Master</a:t>
+                      </a:r>
+                      <a:endParaRPr lang="en-CA" dirty="0"/>
+                    </a:p>
+                  </a:txBody>
+                  <a:tcPr/>
+                </a:tc>
+                <a:tc>
+                  <a:txBody>
+                    <a:bodyPr/>
+                    <a:lstStyle/>
+                    <a:p>
+                      <a:r>
+                        <a:rPr lang="en-CA" dirty="0" smtClean="0"/>
+                        <a:t>Have the responsibility of our schedule</a:t>
+                      </a:r>
+                      <a:endParaRPr lang="en-CA" dirty="0"/>
+                    </a:p>
+                  </a:txBody>
+                  <a:tcPr/>
+                </a:tc>
+              </a:tr>
+              <a:tr h="370840">
+                <a:tc>
+                  <a:txBody>
+                    <a:bodyPr/>
+                    <a:lstStyle/>
+                    <a:p>
+                      <a:endParaRPr lang="en-CA" dirty="0"/>
+                    </a:p>
+                  </a:txBody>
+                  <a:tcPr/>
+                </a:tc>
+                <a:tc>
+                  <a:txBody>
+                    <a:bodyPr/>
+                    <a:lstStyle/>
+                    <a:p>
+                      <a:r>
+                        <a:rPr lang="en-CA" dirty="0" smtClean="0"/>
+                        <a:t>Knowledge</a:t>
+                      </a:r>
+                      <a:endParaRPr lang="en-CA" dirty="0"/>
+                    </a:p>
+                  </a:txBody>
+                  <a:tcPr/>
+                </a:tc>
+                <a:tc>
+                  <a:txBody>
+                    <a:bodyPr/>
+                    <a:lstStyle/>
+                    <a:p>
+                      <a:r>
+                        <a:rPr lang="en-CA" altLang="ja-JP" dirty="0" smtClean="0"/>
+                        <a:t>C#, MVC.NET,</a:t>
+                      </a:r>
+                      <a:r>
+                        <a:rPr lang="en-CA" altLang="ja-JP" baseline="0" dirty="0" smtClean="0"/>
+                        <a:t> </a:t>
+                      </a:r>
+                      <a:r>
+                        <a:rPr lang="en-CA" altLang="ja-JP" baseline="0" dirty="0" err="1" smtClean="0"/>
+                        <a:t>jQuery</a:t>
+                      </a:r>
+                      <a:r>
+                        <a:rPr lang="en-CA" altLang="ja-JP" baseline="0" dirty="0" smtClean="0"/>
+                        <a:t>, SQL</a:t>
+                      </a:r>
+                    </a:p>
+                    <a:p>
+                      <a:r>
+                        <a:rPr lang="en-CA" altLang="ja-JP" baseline="0" dirty="0" smtClean="0"/>
+                        <a:t>Unit testing, refactoring, TDD, continuous integration</a:t>
+                      </a:r>
+                      <a:endParaRPr lang="en-CA" altLang="ja-JP" dirty="0" smtClean="0"/>
+                    </a:p>
+                  </a:txBody>
+                  <a:tcPr/>
+                </a:tc>
+              </a:tr>
+              <a:tr h="370840">
+                <a:tc>
+                  <a:txBody>
+                    <a:bodyPr/>
+                    <a:lstStyle/>
+                    <a:p>
+                      <a:endParaRPr lang="en-CA" dirty="0"/>
                     </a:p>
                   </a:txBody>
                   <a:tcPr/>
@@ -12221,6 +11898,56 @@
                     <a:lstStyle/>
                     <a:p>
                       <a:endParaRPr lang="en-CA" dirty="0"/>
+                    </a:p>
+                  </a:txBody>
+                  <a:tcPr/>
+                </a:tc>
+                <a:tc>
+                  <a:txBody>
+                    <a:bodyPr/>
+                    <a:lstStyle/>
+                    <a:p>
+                      <a:r>
+                        <a:rPr lang="en-CA" dirty="0" smtClean="0"/>
+                        <a:t>Mainly in</a:t>
+                      </a:r>
+                      <a:r>
+                        <a:rPr lang="en-CA" baseline="0" dirty="0" smtClean="0"/>
+                        <a:t> charge of server setting/web development</a:t>
+                      </a:r>
+                      <a:endParaRPr lang="en-CA" dirty="0"/>
+                    </a:p>
+                  </a:txBody>
+                  <a:tcPr/>
+                </a:tc>
+              </a:tr>
+              <a:tr h="370840">
+                <a:tc>
+                  <a:txBody>
+                    <a:bodyPr/>
+                    <a:lstStyle/>
+                    <a:p>
+                      <a:endParaRPr lang="en-CA" dirty="0"/>
+                    </a:p>
+                  </a:txBody>
+                  <a:tcPr/>
+                </a:tc>
+                <a:tc>
+                  <a:txBody>
+                    <a:bodyPr/>
+                    <a:lstStyle/>
+                    <a:p>
+                      <a:endParaRPr lang="en-CA" dirty="0"/>
+                    </a:p>
+                  </a:txBody>
+                  <a:tcPr/>
+                </a:tc>
+                <a:tc>
+                  <a:txBody>
+                    <a:bodyPr/>
+                    <a:lstStyle/>
+                    <a:p>
+                      <a:endParaRPr lang="en-CA" altLang="ja-JP" dirty="0" smtClean="0"/>
                     </a:p>
                   </a:txBody>
                   <a:tcPr/>

--- a/inception-deck-06-29.pptx
+++ b/inception-deck-06-29.pptx
@@ -204,7 +204,7 @@
             <a:fld id="{08A6A601-9B1B-438A-96A6-56431C4BA801}" type="datetimeFigureOut">
               <a:rPr lang="en-CA" smtClean="0"/>
               <a:pPr/>
-              <a:t>29/06/2012</a:t>
+              <a:t>02/07/2012</a:t>
             </a:fld>
             <a:endParaRPr lang="en-CA"/>
           </a:p>
@@ -1805,7 +1805,7 @@
             <a:fld id="{1D8BD707-D9CF-40AE-B4C6-C98DA3205C09}" type="datetimeFigureOut">
               <a:rPr lang="en-US" smtClean="0"/>
               <a:pPr/>
-              <a:t>6/29/2012</a:t>
+              <a:t>7/2/2012</a:t>
             </a:fld>
             <a:endParaRPr lang="en-US"/>
           </a:p>
@@ -1972,7 +1972,7 @@
             <a:fld id="{1D8BD707-D9CF-40AE-B4C6-C98DA3205C09}" type="datetimeFigureOut">
               <a:rPr lang="en-US" smtClean="0"/>
               <a:pPr/>
-              <a:t>6/29/2012</a:t>
+              <a:t>7/2/2012</a:t>
             </a:fld>
             <a:endParaRPr lang="en-US"/>
           </a:p>
@@ -2149,7 +2149,7 @@
             <a:fld id="{1D8BD707-D9CF-40AE-B4C6-C98DA3205C09}" type="datetimeFigureOut">
               <a:rPr lang="en-US" smtClean="0"/>
               <a:pPr/>
-              <a:t>6/29/2012</a:t>
+              <a:t>7/2/2012</a:t>
             </a:fld>
             <a:endParaRPr lang="en-US"/>
           </a:p>
@@ -2316,7 +2316,7 @@
             <a:fld id="{1D8BD707-D9CF-40AE-B4C6-C98DA3205C09}" type="datetimeFigureOut">
               <a:rPr lang="en-US" smtClean="0"/>
               <a:pPr/>
-              <a:t>6/29/2012</a:t>
+              <a:t>7/2/2012</a:t>
             </a:fld>
             <a:endParaRPr lang="en-US"/>
           </a:p>
@@ -2559,7 +2559,7 @@
             <a:fld id="{1D8BD707-D9CF-40AE-B4C6-C98DA3205C09}" type="datetimeFigureOut">
               <a:rPr lang="en-US" smtClean="0"/>
               <a:pPr/>
-              <a:t>6/29/2012</a:t>
+              <a:t>7/2/2012</a:t>
             </a:fld>
             <a:endParaRPr lang="en-US"/>
           </a:p>
@@ -2844,7 +2844,7 @@
             <a:fld id="{1D8BD707-D9CF-40AE-B4C6-C98DA3205C09}" type="datetimeFigureOut">
               <a:rPr lang="en-US" smtClean="0"/>
               <a:pPr/>
-              <a:t>6/29/2012</a:t>
+              <a:t>7/2/2012</a:t>
             </a:fld>
             <a:endParaRPr lang="en-US"/>
           </a:p>
@@ -3263,7 +3263,7 @@
             <a:fld id="{1D8BD707-D9CF-40AE-B4C6-C98DA3205C09}" type="datetimeFigureOut">
               <a:rPr lang="en-US" smtClean="0"/>
               <a:pPr/>
-              <a:t>6/29/2012</a:t>
+              <a:t>7/2/2012</a:t>
             </a:fld>
             <a:endParaRPr lang="en-US"/>
           </a:p>
@@ -3378,7 +3378,7 @@
             <a:fld id="{1D8BD707-D9CF-40AE-B4C6-C98DA3205C09}" type="datetimeFigureOut">
               <a:rPr lang="en-US" smtClean="0"/>
               <a:pPr/>
-              <a:t>6/29/2012</a:t>
+              <a:t>7/2/2012</a:t>
             </a:fld>
             <a:endParaRPr lang="en-US"/>
           </a:p>
@@ -3470,7 +3470,7 @@
             <a:fld id="{1D8BD707-D9CF-40AE-B4C6-C98DA3205C09}" type="datetimeFigureOut">
               <a:rPr lang="en-US" smtClean="0"/>
               <a:pPr/>
-              <a:t>6/29/2012</a:t>
+              <a:t>7/2/2012</a:t>
             </a:fld>
             <a:endParaRPr lang="en-US"/>
           </a:p>
@@ -3744,7 +3744,7 @@
             <a:fld id="{1D8BD707-D9CF-40AE-B4C6-C98DA3205C09}" type="datetimeFigureOut">
               <a:rPr lang="en-US" smtClean="0"/>
               <a:pPr/>
-              <a:t>6/29/2012</a:t>
+              <a:t>7/2/2012</a:t>
             </a:fld>
             <a:endParaRPr lang="en-US"/>
           </a:p>
@@ -3994,7 +3994,7 @@
             <a:fld id="{1D8BD707-D9CF-40AE-B4C6-C98DA3205C09}" type="datetimeFigureOut">
               <a:rPr lang="en-US" smtClean="0"/>
               <a:pPr/>
-              <a:t>6/29/2012</a:t>
+              <a:t>7/2/2012</a:t>
             </a:fld>
             <a:endParaRPr lang="en-US"/>
           </a:p>
@@ -4207,7 +4207,7 @@
             <a:fld id="{1D8BD707-D9CF-40AE-B4C6-C98DA3205C09}" type="datetimeFigureOut">
               <a:rPr lang="en-US" smtClean="0"/>
               <a:pPr/>
-              <a:t>6/29/2012</a:t>
+              <a:t>7/2/2012</a:t>
             </a:fld>
             <a:endParaRPr lang="en-US"/>
           </a:p>
@@ -4666,11 +4666,7 @@
             </a:r>
             <a:r>
               <a:rPr lang="en-CA" dirty="0" smtClean="0"/>
-              <a:t> </a:t>
-            </a:r>
-            <a:r>
-              <a:rPr lang="en-CA" dirty="0" smtClean="0"/>
-              <a:t>&gt;</a:t>
+              <a:t> &gt;</a:t>
             </a:r>
             <a:br>
               <a:rPr lang="en-CA" dirty="0" smtClean="0"/>
@@ -4717,19 +4713,7 @@
                 </a:solidFill>
                 <a:latin typeface="+mn-lt"/>
               </a:rPr>
-              <a:t>P.O	SUZUKI </a:t>
-            </a:r>
-            <a:r>
-              <a:rPr lang="en-CA" dirty="0" smtClean="0">
-                <a:solidFill>
-                  <a:schemeClr val="tx1">
-                    <a:lumMod val="95000"/>
-                    <a:lumOff val="5000"/>
-                  </a:schemeClr>
-                </a:solidFill>
-                <a:latin typeface="+mn-lt"/>
-              </a:rPr>
-              <a:t>Takahiro</a:t>
+              <a:t>P.O	SUZUKI Takahiro</a:t>
             </a:r>
           </a:p>
           <a:p>
@@ -4768,19 +4752,7 @@
                 </a:solidFill>
                 <a:latin typeface="+mn-lt"/>
               </a:rPr>
-              <a:t>  </a:t>
-            </a:r>
-            <a:r>
-              <a:rPr lang="en-CA" dirty="0" smtClean="0">
-                <a:solidFill>
-                  <a:schemeClr val="tx1">
-                    <a:lumMod val="95000"/>
-                    <a:lumOff val="5000"/>
-                  </a:schemeClr>
-                </a:solidFill>
-                <a:latin typeface="+mn-lt"/>
-              </a:rPr>
-              <a:t>Yoshioka </a:t>
+              <a:t>  Yoshioka </a:t>
             </a:r>
             <a:r>
               <a:rPr lang="en-CA" dirty="0" err="1" smtClean="0">
@@ -4806,15 +4778,6 @@
               </a:rPr>
               <a:t> </a:t>
             </a:r>
-            <a:endParaRPr lang="en-CA" dirty="0" smtClean="0">
-              <a:solidFill>
-                <a:schemeClr val="tx1">
-                  <a:lumMod val="95000"/>
-                  <a:lumOff val="5000"/>
-                </a:schemeClr>
-              </a:solidFill>
-              <a:latin typeface="+mn-lt"/>
-            </a:endParaRPr>
           </a:p>
           <a:p>
             <a:endParaRPr lang="en-CA" dirty="0"/>
@@ -5272,15 +5235,7 @@
                   <a:schemeClr val="bg1"/>
                 </a:solidFill>
               </a:rPr>
-              <a:t> 1 </a:t>
-            </a:r>
-            <a:r>
-              <a:rPr lang="en-CA" sz="2800" dirty="0" smtClean="0">
-                <a:solidFill>
-                  <a:schemeClr val="bg1"/>
-                </a:solidFill>
-              </a:rPr>
-              <a:t>month</a:t>
+              <a:t> 1 month</a:t>
             </a:r>
             <a:endParaRPr lang="en-CA" sz="2800" dirty="0">
               <a:solidFill>
@@ -8439,7 +8394,6 @@
               <a:rPr lang="en-CA" sz="2800" dirty="0"/>
               <a:t>System design</a:t>
             </a:r>
-            <a:endParaRPr lang="en-CA" sz="2800" dirty="0"/>
           </a:p>
         </p:txBody>
       </p:sp>
@@ -8654,21 +8608,7 @@
                 <a:latin typeface="Calibri Bold" pitchFamily="34" charset="0"/>
                 <a:cs typeface="Calibri Bold" pitchFamily="34" charset="0"/>
               </a:rPr>
-              <a:t>2 </a:t>
-            </a:r>
-            <a:r>
-              <a:rPr lang="en-CA" sz="4000" dirty="0" smtClean="0">
-                <a:latin typeface="Calibri Bold" pitchFamily="34" charset="0"/>
-                <a:cs typeface="Calibri Bold" pitchFamily="34" charset="0"/>
-              </a:rPr>
-              <a:t>people, </a:t>
-            </a:r>
-            <a:r>
-              <a:rPr lang="en-CA" sz="4000" dirty="0" smtClean="0">
-                <a:latin typeface="Calibri Bold" pitchFamily="34" charset="0"/>
-                <a:cs typeface="Calibri Bold" pitchFamily="34" charset="0"/>
-              </a:rPr>
-              <a:t>months,</a:t>
+              <a:t>2 people, months,</a:t>
             </a:r>
             <a:endParaRPr lang="en-CA" sz="4000" dirty="0">
               <a:latin typeface="Calibri Bold" pitchFamily="34" charset="0"/>
@@ -10772,21 +10712,147 @@
           </a:p>
         </p:txBody>
       </p:sp>
-      <p:sp>
-        <p:nvSpPr>
-          <p:cNvPr id="7" name="Cloud 6"/>
-          <p:cNvSpPr/>
+      <p:pic>
+        <p:nvPicPr>
+          <p:cNvPr id="19" name="Picture 26"/>
+          <p:cNvPicPr>
+            <a:picLocks noChangeAspect="1" noChangeArrowheads="1"/>
+          </p:cNvPicPr>
           <p:nvPr/>
-        </p:nvSpPr>
-        <p:spPr>
+        </p:nvPicPr>
+        <p:blipFill>
+          <a:blip r:embed="rId3" cstate="print"/>
+          <a:srcRect/>
+          <a:stretch>
+            <a:fillRect/>
+          </a:stretch>
+        </p:blipFill>
+        <p:spPr bwMode="auto">
           <a:xfrm>
-            <a:off x="2209800" y="1908048"/>
-            <a:ext cx="1752600" cy="914400"/>
+            <a:off x="152400" y="5408528"/>
+            <a:ext cx="800100" cy="927100"/>
           </a:xfrm>
-          <a:prstGeom prst="cloud">
+          <a:prstGeom prst="rect">
             <a:avLst/>
           </a:prstGeom>
           <a:noFill/>
+          <a:ln w="12700" cap="flat">
+            <a:noFill/>
+            <a:miter lim="800000"/>
+            <a:headEnd/>
+            <a:tailEnd/>
+          </a:ln>
+        </p:spPr>
+      </p:pic>
+      <p:sp>
+        <p:nvSpPr>
+          <p:cNvPr id="12" name="TextBox 11"/>
+          <p:cNvSpPr txBox="1"/>
+          <p:nvPr/>
+        </p:nvSpPr>
+        <p:spPr>
+          <a:xfrm>
+            <a:off x="1128559" y="3429000"/>
+            <a:ext cx="4713646" cy="1938992"/>
+          </a:xfrm>
+          <a:prstGeom prst="rect">
+            <a:avLst/>
+          </a:prstGeom>
+          <a:noFill/>
+        </p:spPr>
+        <p:txBody>
+          <a:bodyPr wrap="square" rtlCol="0">
+            <a:spAutoFit/>
+          </a:bodyPr>
+          <a:lstStyle/>
+          <a:p>
+            <a:r>
+              <a:rPr lang="en-CA" sz="2400" b="1" dirty="0" smtClean="0"/>
+              <a:t>Technologies of Server:</a:t>
+            </a:r>
+          </a:p>
+          <a:p>
+            <a:pPr>
+              <a:buFontTx/>
+              <a:buChar char="-"/>
+            </a:pPr>
+            <a:r>
+              <a:rPr lang="en-CA" sz="2400" dirty="0" smtClean="0"/>
+              <a:t>webpage:HTML5,jsp,javascript</a:t>
+            </a:r>
+          </a:p>
+          <a:p>
+            <a:pPr>
+              <a:buFontTx/>
+              <a:buChar char="-"/>
+            </a:pPr>
+            <a:r>
+              <a:rPr lang="en-CA" sz="2400" dirty="0" smtClean="0"/>
+              <a:t>Server:</a:t>
+            </a:r>
+            <a:r>
+              <a:rPr lang="en-US" sz="2400" dirty="0" err="1" smtClean="0"/>
+              <a:t>apache,java</a:t>
+            </a:r>
+            <a:r>
+              <a:rPr lang="en-US" sz="2400" dirty="0" smtClean="0"/>
+              <a:t> servlet</a:t>
+            </a:r>
+            <a:endParaRPr lang="en-CA" sz="2400" dirty="0" smtClean="0"/>
+          </a:p>
+          <a:p>
+            <a:pPr>
+              <a:buFontTx/>
+              <a:buChar char="-"/>
+            </a:pPr>
+            <a:r>
+              <a:rPr lang="en-CA" sz="2400" dirty="0" smtClean="0"/>
+              <a:t>tools </a:t>
+            </a:r>
+            <a:r>
+              <a:rPr lang="en-CA" sz="2400" dirty="0" err="1" smtClean="0"/>
+              <a:t>git,HTML</a:t>
+            </a:r>
+            <a:r>
+              <a:rPr lang="en-CA" sz="2400" dirty="0" smtClean="0"/>
+              <a:t> IDE</a:t>
+            </a:r>
+          </a:p>
+          <a:p>
+            <a:pPr>
+              <a:buFontTx/>
+              <a:buChar char="-"/>
+            </a:pPr>
+            <a:r>
+              <a:rPr lang="en-CA" sz="2400" dirty="0" smtClean="0"/>
+              <a:t> technology </a:t>
+            </a:r>
+            <a:r>
+              <a:rPr lang="en-CA" altLang="ja-JP" sz="2400" dirty="0" err="1" smtClean="0"/>
+              <a:t>Tomcat,server</a:t>
+            </a:r>
+            <a:r>
+              <a:rPr lang="en-CA" altLang="ja-JP" sz="2400" dirty="0" smtClean="0"/>
+              <a:t> push</a:t>
+            </a:r>
+            <a:endParaRPr lang="en-CA" sz="2400" dirty="0"/>
+          </a:p>
+        </p:txBody>
+      </p:sp>
+      <p:sp>
+        <p:nvSpPr>
+          <p:cNvPr id="3" name="直方体 2"/>
+          <p:cNvSpPr/>
+          <p:nvPr/>
+        </p:nvSpPr>
+        <p:spPr>
+          <a:xfrm>
+            <a:off x="2438400" y="1337621"/>
+            <a:ext cx="1295400" cy="1981200"/>
+          </a:xfrm>
+          <a:prstGeom prst="cube">
+            <a:avLst/>
+          </a:prstGeom>
         </p:spPr>
         <p:style>
           <a:lnRef idx="2">
@@ -10809,20 +10875,24 @@
           <a:lstStyle/>
           <a:p>
             <a:pPr algn="ctr"/>
-            <a:endParaRPr lang="en-CA"/>
-          </a:p>
-        </p:txBody>
-      </p:sp>
-      <p:sp>
-        <p:nvSpPr>
-          <p:cNvPr id="8" name="Rectangle 7"/>
+            <a:r>
+              <a:rPr kumimoji="1" lang="en-US" altLang="ja-JP" dirty="0" smtClean="0"/>
+              <a:t>Sakura VPS server</a:t>
+            </a:r>
+            <a:endParaRPr kumimoji="1" lang="ja-JP" altLang="en-US" dirty="0"/>
+          </a:p>
+        </p:txBody>
+      </p:sp>
+      <p:sp>
+        <p:nvSpPr>
+          <p:cNvPr id="5" name="正方形/長方形 4"/>
           <p:cNvSpPr/>
           <p:nvPr/>
         </p:nvSpPr>
         <p:spPr>
           <a:xfrm>
-            <a:off x="4572000" y="1831848"/>
-            <a:ext cx="1600200" cy="2286000"/>
+            <a:off x="5308805" y="2328221"/>
+            <a:ext cx="1066800" cy="1143000"/>
           </a:xfrm>
           <a:prstGeom prst="rect">
             <a:avLst/>
@@ -10849,65 +10919,26 @@
           <a:lstStyle/>
           <a:p>
             <a:pPr algn="ctr"/>
-            <a:endParaRPr lang="en-CA"/>
-          </a:p>
-        </p:txBody>
-      </p:sp>
-      <p:sp>
-        <p:nvSpPr>
-          <p:cNvPr id="9" name="Rectangle 8"/>
+            <a:r>
+              <a:rPr kumimoji="1" lang="en-US" altLang="ja-JP" dirty="0" smtClean="0"/>
+              <a:t>Android</a:t>
+            </a:r>
+            <a:endParaRPr kumimoji="1" lang="ja-JP" altLang="en-US" dirty="0"/>
+          </a:p>
+        </p:txBody>
+      </p:sp>
+      <p:sp>
+        <p:nvSpPr>
+          <p:cNvPr id="13" name="正方形/長方形 12"/>
           <p:cNvSpPr/>
           <p:nvPr/>
         </p:nvSpPr>
         <p:spPr>
           <a:xfrm>
-            <a:off x="4800600" y="2060448"/>
-            <a:ext cx="1143000" cy="457200"/>
+            <a:off x="6798392" y="3005630"/>
+            <a:ext cx="1455174" cy="846739"/>
           </a:xfrm>
           <a:prstGeom prst="rect">
-            <a:avLst/>
-          </a:prstGeom>
-          <a:solidFill>
-            <a:schemeClr val="bg1"/>
-          </a:solidFill>
-        </p:spPr>
-        <p:style>
-          <a:lnRef idx="2">
-            <a:schemeClr val="accent1">
-              <a:shade val="50000"/>
-            </a:schemeClr>
-          </a:lnRef>
-          <a:fillRef idx="1">
-            <a:schemeClr val="accent1"/>
-          </a:fillRef>
-          <a:effectRef idx="0">
-            <a:schemeClr val="accent1"/>
-          </a:effectRef>
-          <a:fontRef idx="minor">
-            <a:schemeClr val="lt1"/>
-          </a:fontRef>
-        </p:style>
-        <p:txBody>
-          <a:bodyPr rtlCol="0" anchor="ctr"/>
-          <a:lstStyle/>
-          <a:p>
-            <a:pPr algn="ctr"/>
-            <a:endParaRPr lang="en-CA"/>
-          </a:p>
-        </p:txBody>
-      </p:sp>
-      <p:sp>
-        <p:nvSpPr>
-          <p:cNvPr id="10" name="Can 9"/>
-          <p:cNvSpPr/>
-          <p:nvPr/>
-        </p:nvSpPr>
-        <p:spPr>
-          <a:xfrm>
-            <a:off x="7086600" y="1679448"/>
-            <a:ext cx="914400" cy="1216152"/>
-          </a:xfrm>
-          <a:prstGeom prst="can">
             <a:avLst/>
           </a:prstGeom>
         </p:spPr>
@@ -10932,156 +10963,141 @@
           <a:lstStyle/>
           <a:p>
             <a:pPr algn="ctr"/>
-            <a:endParaRPr lang="en-CA"/>
-          </a:p>
-        </p:txBody>
-      </p:sp>
-      <p:sp>
-        <p:nvSpPr>
-          <p:cNvPr id="11" name="Can 10"/>
-          <p:cNvSpPr/>
+            <a:r>
+              <a:rPr kumimoji="1" lang="en-US" altLang="ja-JP" dirty="0" err="1" smtClean="0"/>
+              <a:t>Arduino</a:t>
+            </a:r>
+            <a:endParaRPr kumimoji="1" lang="ja-JP" altLang="en-US" dirty="0"/>
+          </a:p>
+        </p:txBody>
+      </p:sp>
+      <p:cxnSp>
+        <p:nvCxnSpPr>
+          <p:cNvPr id="15" name="曲線コネクタ 14"/>
+          <p:cNvCxnSpPr>
+            <a:stCxn id="19" idx="0"/>
+            <a:endCxn id="3" idx="2"/>
+          </p:cNvCxnSpPr>
           <p:nvPr/>
-        </p:nvSpPr>
+        </p:nvCxnSpPr>
         <p:spPr>
-          <a:xfrm>
-            <a:off x="7086600" y="3203448"/>
-            <a:ext cx="914400" cy="1216152"/>
+          <a:xfrm rot="5400000" flipH="1" flipV="1">
+            <a:off x="36234" y="3006362"/>
+            <a:ext cx="2918382" cy="1885950"/>
           </a:xfrm>
-          <a:prstGeom prst="can">
+          <a:prstGeom prst="curvedConnector2">
             <a:avLst/>
           </a:prstGeom>
+          <a:ln>
+            <a:headEnd type="arrow"/>
+            <a:tailEnd type="arrow"/>
+          </a:ln>
         </p:spPr>
         <p:style>
-          <a:lnRef idx="2">
-            <a:schemeClr val="accent1">
-              <a:shade val="50000"/>
-            </a:schemeClr>
+          <a:lnRef idx="1">
+            <a:schemeClr val="accent1"/>
           </a:lnRef>
-          <a:fillRef idx="1">
+          <a:fillRef idx="0">
             <a:schemeClr val="accent1"/>
           </a:fillRef>
           <a:effectRef idx="0">
             <a:schemeClr val="accent1"/>
           </a:effectRef>
           <a:fontRef idx="minor">
-            <a:schemeClr val="lt1"/>
+            <a:schemeClr val="tx1"/>
           </a:fontRef>
         </p:style>
-        <p:txBody>
-          <a:bodyPr rtlCol="0" anchor="ctr"/>
-          <a:lstStyle/>
-          <a:p>
-            <a:pPr algn="ctr"/>
-            <a:endParaRPr lang="en-CA"/>
-          </a:p>
-        </p:txBody>
-      </p:sp>
-      <p:pic>
-        <p:nvPicPr>
-          <p:cNvPr id="17" name="Picture 21"/>
-          <p:cNvPicPr>
-            <a:picLocks noChangeAspect="1" noChangeArrowheads="1"/>
-          </p:cNvPicPr>
+      </p:cxnSp>
+      <p:cxnSp>
+        <p:nvCxnSpPr>
+          <p:cNvPr id="24" name="曲線コネクタ 23"/>
+          <p:cNvCxnSpPr>
+            <a:stCxn id="3" idx="5"/>
+            <a:endCxn id="5" idx="1"/>
+          </p:cNvCxnSpPr>
           <p:nvPr/>
-        </p:nvPicPr>
-        <p:blipFill>
-          <a:blip r:embed="rId3" cstate="print"/>
-          <a:srcRect/>
-          <a:stretch>
-            <a:fillRect/>
-          </a:stretch>
-        </p:blipFill>
-        <p:spPr bwMode="auto">
+        </p:nvCxnSpPr>
+        <p:spPr>
           <a:xfrm>
-            <a:off x="5670996" y="4790182"/>
-            <a:ext cx="1174303" cy="825500"/>
+            <a:off x="3733800" y="2166296"/>
+            <a:ext cx="1575005" cy="733425"/>
           </a:xfrm>
-          <a:prstGeom prst="rect">
-            <a:avLst/>
+          <a:prstGeom prst="curvedConnector3">
+            <a:avLst>
+              <a:gd name="adj1" fmla="val 50000"/>
+            </a:avLst>
           </a:prstGeom>
-          <a:noFill/>
-          <a:ln w="12700" cap="flat">
-            <a:noFill/>
-            <a:miter lim="800000"/>
-            <a:headEnd/>
-            <a:tailEnd/>
+          <a:ln>
+            <a:headEnd type="arrow"/>
+            <a:tailEnd type="arrow"/>
           </a:ln>
         </p:spPr>
-      </p:pic>
-      <p:pic>
-        <p:nvPicPr>
-          <p:cNvPr id="18" name="Picture 20"/>
-          <p:cNvPicPr>
-            <a:picLocks noChangeAspect="1" noChangeArrowheads="1"/>
-          </p:cNvPicPr>
+        <p:style>
+          <a:lnRef idx="1">
+            <a:schemeClr val="accent1"/>
+          </a:lnRef>
+          <a:fillRef idx="0">
+            <a:schemeClr val="accent1"/>
+          </a:fillRef>
+          <a:effectRef idx="0">
+            <a:schemeClr val="accent1"/>
+          </a:effectRef>
+          <a:fontRef idx="minor">
+            <a:schemeClr val="tx1"/>
+          </a:fontRef>
+        </p:style>
+      </p:cxnSp>
+      <p:cxnSp>
+        <p:nvCxnSpPr>
+          <p:cNvPr id="28" name="曲線コネクタ 27"/>
+          <p:cNvCxnSpPr>
+            <a:stCxn id="5" idx="2"/>
+            <a:endCxn id="13" idx="0"/>
+          </p:cNvCxnSpPr>
           <p:nvPr/>
-        </p:nvPicPr>
-        <p:blipFill>
-          <a:blip r:embed="rId4" cstate="print"/>
-          <a:srcRect/>
-          <a:stretch>
-            <a:fillRect/>
-          </a:stretch>
-        </p:blipFill>
-        <p:spPr bwMode="auto">
-          <a:xfrm>
-            <a:off x="5791200" y="5854710"/>
-            <a:ext cx="863600" cy="688072"/>
+        </p:nvCxnSpPr>
+        <p:spPr>
+          <a:xfrm rot="5400000" flipH="1" flipV="1">
+            <a:off x="6451296" y="2396539"/>
+            <a:ext cx="465591" cy="1683774"/>
           </a:xfrm>
-          <a:prstGeom prst="rect">
-            <a:avLst/>
+          <a:prstGeom prst="curvedConnector5">
+            <a:avLst>
+              <a:gd name="adj1" fmla="val -49099"/>
+              <a:gd name="adj2" fmla="val 44234"/>
+              <a:gd name="adj3" fmla="val 149099"/>
+            </a:avLst>
           </a:prstGeom>
-          <a:noFill/>
-          <a:ln w="12700" cap="flat">
-            <a:noFill/>
-            <a:miter lim="800000"/>
-            <a:headEnd/>
-            <a:tailEnd/>
+          <a:ln>
+            <a:headEnd type="arrow"/>
+            <a:tailEnd type="arrow"/>
           </a:ln>
         </p:spPr>
-      </p:pic>
-      <p:pic>
-        <p:nvPicPr>
-          <p:cNvPr id="19" name="Picture 26"/>
-          <p:cNvPicPr>
-            <a:picLocks noChangeAspect="1" noChangeArrowheads="1"/>
-          </p:cNvPicPr>
-          <p:nvPr/>
-        </p:nvPicPr>
-        <p:blipFill>
-          <a:blip r:embed="rId5" cstate="print"/>
-          <a:srcRect/>
-          <a:stretch>
-            <a:fillRect/>
-          </a:stretch>
-        </p:blipFill>
-        <p:spPr bwMode="auto">
-          <a:xfrm>
-            <a:off x="990600" y="1831848"/>
-            <a:ext cx="800100" cy="927100"/>
-          </a:xfrm>
-          <a:prstGeom prst="rect">
-            <a:avLst/>
-          </a:prstGeom>
-          <a:noFill/>
-          <a:ln w="12700" cap="flat">
-            <a:noFill/>
-            <a:miter lim="800000"/>
-            <a:headEnd/>
-            <a:tailEnd/>
-          </a:ln>
-        </p:spPr>
-      </p:pic>
-      <p:sp>
-        <p:nvSpPr>
-          <p:cNvPr id="20" name="TextBox 19"/>
+        <p:style>
+          <a:lnRef idx="1">
+            <a:schemeClr val="accent1"/>
+          </a:lnRef>
+          <a:fillRef idx="0">
+            <a:schemeClr val="accent1"/>
+          </a:fillRef>
+          <a:effectRef idx="0">
+            <a:schemeClr val="accent1"/>
+          </a:effectRef>
+          <a:fontRef idx="minor">
+            <a:schemeClr val="tx1"/>
+          </a:fontRef>
+        </p:style>
+      </p:cxnSp>
+      <p:sp>
+        <p:nvSpPr>
+          <p:cNvPr id="37" name="TextBox 11"/>
           <p:cNvSpPr txBox="1"/>
           <p:nvPr/>
         </p:nvSpPr>
         <p:spPr>
           <a:xfrm>
-            <a:off x="7086600" y="4866382"/>
-            <a:ext cx="1828800" cy="584775"/>
+            <a:off x="6798392" y="389229"/>
+            <a:ext cx="2345608" cy="1938992"/>
           </a:xfrm>
           <a:prstGeom prst="rect">
             <a:avLst/>
@@ -11095,22 +11111,58 @@
           <a:lstStyle/>
           <a:p>
             <a:r>
-              <a:rPr lang="en-CA" sz="3200" dirty="0" smtClean="0"/>
-              <a:t>Danger!</a:t>
-            </a:r>
-          </a:p>
-        </p:txBody>
-      </p:sp>
-      <p:sp>
-        <p:nvSpPr>
-          <p:cNvPr id="21" name="TextBox 20"/>
+              <a:rPr lang="en-CA" sz="2400" b="1" dirty="0" smtClean="0"/>
+              <a:t>Technologies of Android:</a:t>
+            </a:r>
+          </a:p>
+          <a:p>
+            <a:r>
+              <a:rPr lang="en-CA" sz="2400" dirty="0" err="1" smtClean="0"/>
+              <a:t>app:</a:t>
+            </a:r>
+            <a:r>
+              <a:rPr lang="en-CA" altLang="ja-JP" sz="2400" dirty="0" err="1" smtClean="0"/>
+              <a:t>Java</a:t>
+            </a:r>
+            <a:endParaRPr lang="en-CA" altLang="ja-JP" sz="2400" dirty="0"/>
+          </a:p>
+          <a:p>
+            <a:r>
+              <a:rPr lang="en-US" altLang="ja-JP" sz="2400" dirty="0" smtClean="0"/>
+              <a:t>library:</a:t>
+            </a:r>
+            <a:r>
+              <a:rPr lang="en-CA" altLang="ja-JP" sz="2400" dirty="0"/>
+              <a:t>SDK</a:t>
+            </a:r>
+          </a:p>
+          <a:p>
+            <a:r>
+              <a:rPr lang="en-US" altLang="ja-JP" sz="2400" dirty="0" smtClean="0"/>
+              <a:t>tool:</a:t>
+            </a:r>
+            <a:r>
+              <a:rPr lang="en-CA" altLang="ja-JP" sz="2400" dirty="0"/>
+              <a:t>SDK </a:t>
+            </a:r>
+            <a:r>
+              <a:rPr lang="en-CA" altLang="ja-JP" sz="2400" dirty="0" smtClean="0"/>
+              <a:t>ADK</a:t>
+            </a:r>
+            <a:endParaRPr lang="en-CA" altLang="ja-JP" sz="2400" dirty="0"/>
+          </a:p>
+        </p:txBody>
+      </p:sp>
+      <p:sp>
+        <p:nvSpPr>
+          <p:cNvPr id="42" name="TextBox 11"/>
           <p:cNvSpPr txBox="1"/>
           <p:nvPr/>
         </p:nvSpPr>
         <p:spPr>
           <a:xfrm>
-            <a:off x="7086600" y="5628382"/>
-            <a:ext cx="1828800" cy="1077218"/>
+            <a:off x="6223206" y="3933086"/>
+            <a:ext cx="2808032" cy="1938992"/>
           </a:xfrm>
           <a:prstGeom prst="rect">
             <a:avLst/>
@@ -11124,22 +11176,68 @@
           <a:lstStyle/>
           <a:p>
             <a:r>
-              <a:rPr lang="en-CA" sz="3200" dirty="0" smtClean="0"/>
-              <a:t>Out of scope</a:t>
-            </a:r>
-          </a:p>
-        </p:txBody>
-      </p:sp>
-      <p:sp>
-        <p:nvSpPr>
-          <p:cNvPr id="12" name="TextBox 11"/>
+              <a:rPr lang="en-CA" sz="2400" b="1" dirty="0" smtClean="0"/>
+              <a:t>Technologies of </a:t>
+            </a:r>
+            <a:r>
+              <a:rPr lang="en-CA" sz="2400" b="1" smtClean="0"/>
+              <a:t>Arduino:</a:t>
+            </a:r>
+            <a:endParaRPr lang="en-CA" sz="2400" b="1" dirty="0" smtClean="0"/>
+          </a:p>
+          <a:p>
+            <a:r>
+              <a:rPr lang="en-CA" sz="2400" dirty="0" smtClean="0"/>
+              <a:t>app:</a:t>
+            </a:r>
+            <a:r>
+              <a:rPr lang="en-US" altLang="ja-JP" sz="2400" dirty="0" err="1" smtClean="0"/>
+              <a:t>Arduino</a:t>
+            </a:r>
+            <a:r>
+              <a:rPr lang="ja-JP" altLang="en-US" sz="2400" dirty="0"/>
+              <a:t> </a:t>
+            </a:r>
+            <a:r>
+              <a:rPr lang="en-US" altLang="ja-JP" sz="2400" dirty="0" err="1" smtClean="0"/>
+              <a:t>lang</a:t>
+            </a:r>
+            <a:endParaRPr lang="en-CA" altLang="ja-JP" sz="2400" dirty="0"/>
+          </a:p>
+          <a:p>
+            <a:r>
+              <a:rPr lang="en-US" altLang="ja-JP" sz="2400" dirty="0" smtClean="0"/>
+              <a:t>library:</a:t>
+            </a:r>
+            <a:r>
+              <a:rPr lang="en-CA" altLang="ja-JP" sz="2400" dirty="0" smtClean="0"/>
+              <a:t>Android ADK</a:t>
+            </a:r>
+            <a:endParaRPr lang="en-CA" altLang="ja-JP" sz="2400" dirty="0"/>
+          </a:p>
+          <a:p>
+            <a:r>
+              <a:rPr lang="en-US" altLang="ja-JP" sz="2400" dirty="0" smtClean="0"/>
+              <a:t>tool:</a:t>
+            </a:r>
+            <a:r>
+              <a:rPr lang="en-CA" altLang="ja-JP" sz="2400" dirty="0" smtClean="0"/>
+              <a:t>ADK IDE</a:t>
+            </a:r>
+            <a:endParaRPr lang="en-CA" altLang="ja-JP" sz="2400" dirty="0"/>
+          </a:p>
+        </p:txBody>
+      </p:sp>
+      <p:sp>
+        <p:nvSpPr>
+          <p:cNvPr id="4" name="テキスト ボックス 3"/>
           <p:cNvSpPr txBox="1"/>
           <p:nvPr/>
         </p:nvSpPr>
         <p:spPr>
           <a:xfrm>
-            <a:off x="626185" y="4495800"/>
-            <a:ext cx="2040815" cy="1938992"/>
+            <a:off x="99859" y="1404891"/>
+            <a:ext cx="2057400" cy="1200329"/>
           </a:xfrm>
           <a:prstGeom prst="rect">
             <a:avLst/>
@@ -11147,56 +11245,60 @@
           <a:noFill/>
         </p:spPr>
         <p:txBody>
+          <a:bodyPr wrap="square" rtlCol="0">
+            <a:spAutoFit/>
+          </a:bodyPr>
+          <a:lstStyle/>
+          <a:p>
+            <a:r>
+              <a:rPr kumimoji="1" lang="en-US" altLang="ja-JP" dirty="0" smtClean="0"/>
+              <a:t>Browse the data </a:t>
+            </a:r>
+          </a:p>
+          <a:p>
+            <a:r>
+              <a:rPr kumimoji="1" lang="en-US" altLang="ja-JP" dirty="0" smtClean="0"/>
+              <a:t>and to send the  ON/OFF signal  of switch .</a:t>
+            </a:r>
+          </a:p>
+        </p:txBody>
+      </p:sp>
+      <p:sp>
+        <p:nvSpPr>
+          <p:cNvPr id="16" name="テキスト ボックス 15"/>
+          <p:cNvSpPr txBox="1"/>
+          <p:nvPr/>
+        </p:nvSpPr>
+        <p:spPr>
+          <a:xfrm>
+            <a:off x="4007708" y="1519965"/>
+            <a:ext cx="2871042" cy="646331"/>
+          </a:xfrm>
+          <a:prstGeom prst="rect">
+            <a:avLst/>
+          </a:prstGeom>
+          <a:noFill/>
+        </p:spPr>
+        <p:txBody>
           <a:bodyPr wrap="none" rtlCol="0">
             <a:spAutoFit/>
           </a:bodyPr>
           <a:lstStyle/>
           <a:p>
             <a:r>
-              <a:rPr lang="en-CA" sz="2400" b="1" dirty="0" smtClean="0"/>
-              <a:t>Technologies:</a:t>
-            </a:r>
-          </a:p>
-          <a:p>
-            <a:pPr>
-              <a:buFontTx/>
-              <a:buChar char="-"/>
-            </a:pPr>
-            <a:r>
-              <a:rPr lang="en-CA" sz="2400" dirty="0" smtClean="0"/>
-              <a:t> &lt;language&gt;</a:t>
-            </a:r>
-          </a:p>
-          <a:p>
-            <a:pPr>
-              <a:buFontTx/>
-              <a:buChar char="-"/>
-            </a:pPr>
-            <a:r>
-              <a:rPr lang="en-CA" sz="2400" dirty="0" smtClean="0"/>
-              <a:t> &lt;libraries&gt;</a:t>
-            </a:r>
-          </a:p>
-          <a:p>
-            <a:pPr>
-              <a:buFontTx/>
-              <a:buChar char="-"/>
-            </a:pPr>
-            <a:r>
-              <a:rPr lang="en-CA" sz="2400" dirty="0" smtClean="0"/>
-              <a:t> &lt;tools&gt;</a:t>
-            </a:r>
-          </a:p>
-          <a:p>
-            <a:pPr>
-              <a:buFontTx/>
-              <a:buChar char="-"/>
-            </a:pPr>
-            <a:r>
-              <a:rPr lang="en-CA" sz="2400" dirty="0" smtClean="0"/>
-              <a:t> &lt;technology&gt;</a:t>
-            </a:r>
-            <a:endParaRPr lang="en-CA" sz="2400" dirty="0"/>
+              <a:rPr kumimoji="1" lang="en-US" altLang="ja-JP" dirty="0" smtClean="0"/>
+              <a:t>To send the data and receive</a:t>
+            </a:r>
+          </a:p>
+          <a:p>
+            <a:r>
+              <a:rPr kumimoji="1" lang="en-US" altLang="ja-JP" dirty="0"/>
+              <a:t>p</a:t>
+            </a:r>
+            <a:r>
+              <a:rPr kumimoji="1" lang="en-US" altLang="ja-JP" dirty="0" smtClean="0"/>
+              <a:t>ush notifications .</a:t>
+            </a:r>
           </a:p>
         </p:txBody>
       </p:sp>
@@ -11657,11 +11759,7 @@
                       </a:r>
                       <a:r>
                         <a:rPr lang="en-CA" baseline="0" dirty="0" smtClean="0"/>
-                        <a:t>, Arduino development, </a:t>
-                      </a:r>
-                      <a:r>
-                        <a:rPr lang="en-CA" baseline="0" dirty="0" smtClean="0"/>
-                        <a:t> </a:t>
+                        <a:t>, Arduino development,  </a:t>
                       </a:r>
                       <a:endParaRPr lang="en-CA" dirty="0" smtClean="0"/>
                     </a:p>

--- a/inception-deck-06-29.pptx
+++ b/inception-deck-06-29.pptx
@@ -7,6 +7,9 @@
   <p:notesMasterIdLst>
     <p:notesMasterId r:id="rId14"/>
   </p:notesMasterIdLst>
+  <p:handoutMasterIdLst>
+    <p:handoutMasterId r:id="rId15"/>
+  </p:handoutMasterIdLst>
   <p:sldIdLst>
     <p:sldId id="256" r:id="rId2"/>
     <p:sldId id="258" r:id="rId3"/>
@@ -22,7 +25,7 @@
     <p:sldId id="268" r:id="rId13"/>
   </p:sldIdLst>
   <p:sldSz cx="9144000" cy="6858000" type="screen4x3"/>
-  <p:notesSz cx="6858000" cy="9144000"/>
+  <p:notesSz cx="9872663" cy="6797675"/>
   <p:defaultTextStyle>
     <a:defPPr>
       <a:defRPr lang="en-US"/>
@@ -121,6 +124,171 @@
 </p:presentation>
 </file>
 
+<file path=ppt/handoutMasters/handoutMaster1.xml><?xml version="1.0" encoding="utf-8"?>
+<p:handoutMaster xmlns:a="http://schemas.openxmlformats.org/drawingml/2006/main" xmlns:r="http://schemas.openxmlformats.org/officeDocument/2006/relationships" xmlns:p="http://schemas.openxmlformats.org/presentationml/2006/main">
+  <p:cSld>
+    <p:bg>
+      <p:bgRef idx="1001">
+        <a:schemeClr val="bg1"/>
+      </p:bgRef>
+    </p:bg>
+    <p:spTree>
+      <p:nvGrpSpPr>
+        <p:cNvPr id="1" name=""/>
+        <p:cNvGrpSpPr/>
+        <p:nvPr/>
+      </p:nvGrpSpPr>
+      <p:grpSpPr>
+        <a:xfrm>
+          <a:off x="0" y="0"/>
+          <a:ext cx="0" cy="0"/>
+          <a:chOff x="0" y="0"/>
+          <a:chExt cx="0" cy="0"/>
+        </a:xfrm>
+      </p:grpSpPr>
+      <p:sp>
+        <p:nvSpPr>
+          <p:cNvPr id="2" name="ヘッダー プレースホルダー 1"/>
+          <p:cNvSpPr>
+            <a:spLocks noGrp="1"/>
+          </p:cNvSpPr>
+          <p:nvPr>
+            <p:ph type="hdr" sz="quarter"/>
+          </p:nvPr>
+        </p:nvSpPr>
+        <p:spPr>
+          <a:xfrm>
+            <a:off x="1" y="0"/>
+            <a:ext cx="4277135" cy="340265"/>
+          </a:xfrm>
+          <a:prstGeom prst="rect">
+            <a:avLst/>
+          </a:prstGeom>
+        </p:spPr>
+        <p:txBody>
+          <a:bodyPr vert="horz" lIns="91440" tIns="45720" rIns="91440" bIns="45720" rtlCol="0"/>
+          <a:lstStyle>
+            <a:lvl1pPr algn="l">
+              <a:defRPr sz="1200"/>
+            </a:lvl1pPr>
+          </a:lstStyle>
+          <a:p>
+            <a:endParaRPr kumimoji="1" lang="ja-JP" altLang="en-US"/>
+          </a:p>
+        </p:txBody>
+      </p:sp>
+      <p:sp>
+        <p:nvSpPr>
+          <p:cNvPr id="3" name="日付プレースホルダー 2"/>
+          <p:cNvSpPr>
+            <a:spLocks noGrp="1"/>
+          </p:cNvSpPr>
+          <p:nvPr>
+            <p:ph type="dt" sz="quarter" idx="1"/>
+          </p:nvPr>
+        </p:nvSpPr>
+        <p:spPr>
+          <a:xfrm>
+            <a:off x="5593177" y="0"/>
+            <a:ext cx="4277135" cy="340265"/>
+          </a:xfrm>
+          <a:prstGeom prst="rect">
+            <a:avLst/>
+          </a:prstGeom>
+        </p:spPr>
+        <p:txBody>
+          <a:bodyPr vert="horz" lIns="91440" tIns="45720" rIns="91440" bIns="45720" rtlCol="0"/>
+          <a:lstStyle>
+            <a:lvl1pPr algn="r">
+              <a:defRPr sz="1200"/>
+            </a:lvl1pPr>
+          </a:lstStyle>
+          <a:p>
+            <a:fld id="{8A530260-7078-48DD-A02B-816FE2FA75A4}" type="datetimeFigureOut">
+              <a:rPr kumimoji="1" lang="ja-JP" altLang="en-US" smtClean="0"/>
+              <a:t>2012/7/3</a:t>
+            </a:fld>
+            <a:endParaRPr kumimoji="1" lang="ja-JP" altLang="en-US"/>
+          </a:p>
+        </p:txBody>
+      </p:sp>
+      <p:sp>
+        <p:nvSpPr>
+          <p:cNvPr id="4" name="フッター プレースホルダー 3"/>
+          <p:cNvSpPr>
+            <a:spLocks noGrp="1"/>
+          </p:cNvSpPr>
+          <p:nvPr>
+            <p:ph type="ftr" sz="quarter" idx="2"/>
+          </p:nvPr>
+        </p:nvSpPr>
+        <p:spPr>
+          <a:xfrm>
+            <a:off x="1" y="6456324"/>
+            <a:ext cx="4277135" cy="340264"/>
+          </a:xfrm>
+          <a:prstGeom prst="rect">
+            <a:avLst/>
+          </a:prstGeom>
+        </p:spPr>
+        <p:txBody>
+          <a:bodyPr vert="horz" lIns="91440" tIns="45720" rIns="91440" bIns="45720" rtlCol="0" anchor="b"/>
+          <a:lstStyle>
+            <a:lvl1pPr algn="l">
+              <a:defRPr sz="1200"/>
+            </a:lvl1pPr>
+          </a:lstStyle>
+          <a:p>
+            <a:endParaRPr kumimoji="1" lang="ja-JP" altLang="en-US"/>
+          </a:p>
+        </p:txBody>
+      </p:sp>
+      <p:sp>
+        <p:nvSpPr>
+          <p:cNvPr id="5" name="スライド番号プレースホルダー 4"/>
+          <p:cNvSpPr>
+            <a:spLocks noGrp="1"/>
+          </p:cNvSpPr>
+          <p:nvPr>
+            <p:ph type="sldNum" sz="quarter" idx="3"/>
+          </p:nvPr>
+        </p:nvSpPr>
+        <p:spPr>
+          <a:xfrm>
+            <a:off x="5593177" y="6456324"/>
+            <a:ext cx="4277135" cy="340264"/>
+          </a:xfrm>
+          <a:prstGeom prst="rect">
+            <a:avLst/>
+          </a:prstGeom>
+        </p:spPr>
+        <p:txBody>
+          <a:bodyPr vert="horz" lIns="91440" tIns="45720" rIns="91440" bIns="45720" rtlCol="0" anchor="b"/>
+          <a:lstStyle>
+            <a:lvl1pPr algn="r">
+              <a:defRPr sz="1200"/>
+            </a:lvl1pPr>
+          </a:lstStyle>
+          <a:p>
+            <a:fld id="{3BA44CEF-3947-4527-BBC2-29C0BA6F9EBD}" type="slidenum">
+              <a:rPr kumimoji="1" lang="ja-JP" altLang="en-US" smtClean="0"/>
+              <a:t>‹#›</a:t>
+            </a:fld>
+            <a:endParaRPr kumimoji="1" lang="ja-JP" altLang="en-US"/>
+          </a:p>
+        </p:txBody>
+      </p:sp>
+    </p:spTree>
+    <p:extLst>
+      <p:ext uri="{BB962C8B-B14F-4D97-AF65-F5344CB8AC3E}">
+        <p14:creationId xmlns:p14="http://schemas.microsoft.com/office/powerpoint/2010/main" val="2379682945"/>
+      </p:ext>
+    </p:extLst>
+  </p:cSld>
+  <p:clrMap bg1="lt1" tx1="dk1" bg2="lt2" tx2="dk2" accent1="accent1" accent2="accent2" accent3="accent3" accent4="accent4" accent5="accent5" accent6="accent6" hlink="hlink" folHlink="folHlink"/>
+</p:handoutMaster>
+</file>
+
 <file path=ppt/notesMasters/notesMaster1.xml><?xml version="1.0" encoding="utf-8"?>
 <p:notesMaster xmlns:a="http://schemas.openxmlformats.org/drawingml/2006/main" xmlns:r="http://schemas.openxmlformats.org/officeDocument/2006/relationships" xmlns:p="http://schemas.openxmlformats.org/presentationml/2006/main">
   <p:cSld>
@@ -156,7 +324,7 @@
         <p:spPr>
           <a:xfrm>
             <a:off x="0" y="0"/>
-            <a:ext cx="2971800" cy="457200"/>
+            <a:ext cx="4278154" cy="339883"/>
           </a:xfrm>
           <a:prstGeom prst="rect">
             <a:avLst/>
@@ -186,8 +354,8 @@
         </p:nvSpPr>
         <p:spPr>
           <a:xfrm>
-            <a:off x="3884613" y="0"/>
-            <a:ext cx="2971800" cy="457200"/>
+            <a:off x="5592225" y="0"/>
+            <a:ext cx="4278154" cy="339883"/>
           </a:xfrm>
           <a:prstGeom prst="rect">
             <a:avLst/>
@@ -204,7 +372,7 @@
             <a:fld id="{08A6A601-9B1B-438A-96A6-56431C4BA801}" type="datetimeFigureOut">
               <a:rPr lang="en-CA" smtClean="0"/>
               <a:pPr/>
-              <a:t>02/07/2012</a:t>
+              <a:t>03/07/2012</a:t>
             </a:fld>
             <a:endParaRPr lang="en-CA"/>
           </a:p>
@@ -222,8 +390,8 @@
         </p:nvSpPr>
         <p:spPr>
           <a:xfrm>
-            <a:off x="1143000" y="685800"/>
-            <a:ext cx="4572000" cy="3429000"/>
+            <a:off x="3236913" y="509588"/>
+            <a:ext cx="3398837" cy="2549525"/>
           </a:xfrm>
           <a:prstGeom prst="rect">
             <a:avLst/>
@@ -255,8 +423,8 @@
         </p:nvSpPr>
         <p:spPr>
           <a:xfrm>
-            <a:off x="685800" y="4343400"/>
-            <a:ext cx="5486400" cy="4114800"/>
+            <a:off x="987267" y="3228896"/>
+            <a:ext cx="7898130" cy="3058954"/>
           </a:xfrm>
           <a:prstGeom prst="rect">
             <a:avLst/>
@@ -317,8 +485,8 @@
         </p:nvSpPr>
         <p:spPr>
           <a:xfrm>
-            <a:off x="0" y="8685213"/>
-            <a:ext cx="2971800" cy="457200"/>
+            <a:off x="0" y="6456612"/>
+            <a:ext cx="4278154" cy="339883"/>
           </a:xfrm>
           <a:prstGeom prst="rect">
             <a:avLst/>
@@ -348,8 +516,8 @@
         </p:nvSpPr>
         <p:spPr>
           <a:xfrm>
-            <a:off x="3884613" y="8685213"/>
-            <a:ext cx="2971800" cy="457200"/>
+            <a:off x="5592225" y="6456612"/>
+            <a:ext cx="4278154" cy="339883"/>
           </a:xfrm>
           <a:prstGeom prst="rect">
             <a:avLst/>
@@ -1805,7 +1973,7 @@
             <a:fld id="{1D8BD707-D9CF-40AE-B4C6-C98DA3205C09}" type="datetimeFigureOut">
               <a:rPr lang="en-US" smtClean="0"/>
               <a:pPr/>
-              <a:t>7/2/2012</a:t>
+              <a:t>7/3/2012</a:t>
             </a:fld>
             <a:endParaRPr lang="en-US"/>
           </a:p>
@@ -1972,7 +2140,7 @@
             <a:fld id="{1D8BD707-D9CF-40AE-B4C6-C98DA3205C09}" type="datetimeFigureOut">
               <a:rPr lang="en-US" smtClean="0"/>
               <a:pPr/>
-              <a:t>7/2/2012</a:t>
+              <a:t>7/3/2012</a:t>
             </a:fld>
             <a:endParaRPr lang="en-US"/>
           </a:p>
@@ -2149,7 +2317,7 @@
             <a:fld id="{1D8BD707-D9CF-40AE-B4C6-C98DA3205C09}" type="datetimeFigureOut">
               <a:rPr lang="en-US" smtClean="0"/>
               <a:pPr/>
-              <a:t>7/2/2012</a:t>
+              <a:t>7/3/2012</a:t>
             </a:fld>
             <a:endParaRPr lang="en-US"/>
           </a:p>
@@ -2316,7 +2484,7 @@
             <a:fld id="{1D8BD707-D9CF-40AE-B4C6-C98DA3205C09}" type="datetimeFigureOut">
               <a:rPr lang="en-US" smtClean="0"/>
               <a:pPr/>
-              <a:t>7/2/2012</a:t>
+              <a:t>7/3/2012</a:t>
             </a:fld>
             <a:endParaRPr lang="en-US"/>
           </a:p>
@@ -2559,7 +2727,7 @@
             <a:fld id="{1D8BD707-D9CF-40AE-B4C6-C98DA3205C09}" type="datetimeFigureOut">
               <a:rPr lang="en-US" smtClean="0"/>
               <a:pPr/>
-              <a:t>7/2/2012</a:t>
+              <a:t>7/3/2012</a:t>
             </a:fld>
             <a:endParaRPr lang="en-US"/>
           </a:p>
@@ -2844,7 +3012,7 @@
             <a:fld id="{1D8BD707-D9CF-40AE-B4C6-C98DA3205C09}" type="datetimeFigureOut">
               <a:rPr lang="en-US" smtClean="0"/>
               <a:pPr/>
-              <a:t>7/2/2012</a:t>
+              <a:t>7/3/2012</a:t>
             </a:fld>
             <a:endParaRPr lang="en-US"/>
           </a:p>
@@ -3263,7 +3431,7 @@
             <a:fld id="{1D8BD707-D9CF-40AE-B4C6-C98DA3205C09}" type="datetimeFigureOut">
               <a:rPr lang="en-US" smtClean="0"/>
               <a:pPr/>
-              <a:t>7/2/2012</a:t>
+              <a:t>7/3/2012</a:t>
             </a:fld>
             <a:endParaRPr lang="en-US"/>
           </a:p>
@@ -3378,7 +3546,7 @@
             <a:fld id="{1D8BD707-D9CF-40AE-B4C6-C98DA3205C09}" type="datetimeFigureOut">
               <a:rPr lang="en-US" smtClean="0"/>
               <a:pPr/>
-              <a:t>7/2/2012</a:t>
+              <a:t>7/3/2012</a:t>
             </a:fld>
             <a:endParaRPr lang="en-US"/>
           </a:p>
@@ -3470,7 +3638,7 @@
             <a:fld id="{1D8BD707-D9CF-40AE-B4C6-C98DA3205C09}" type="datetimeFigureOut">
               <a:rPr lang="en-US" smtClean="0"/>
               <a:pPr/>
-              <a:t>7/2/2012</a:t>
+              <a:t>7/3/2012</a:t>
             </a:fld>
             <a:endParaRPr lang="en-US"/>
           </a:p>
@@ -3744,7 +3912,7 @@
             <a:fld id="{1D8BD707-D9CF-40AE-B4C6-C98DA3205C09}" type="datetimeFigureOut">
               <a:rPr lang="en-US" smtClean="0"/>
               <a:pPr/>
-              <a:t>7/2/2012</a:t>
+              <a:t>7/3/2012</a:t>
             </a:fld>
             <a:endParaRPr lang="en-US"/>
           </a:p>
@@ -3994,7 +4162,7 @@
             <a:fld id="{1D8BD707-D9CF-40AE-B4C6-C98DA3205C09}" type="datetimeFigureOut">
               <a:rPr lang="en-US" smtClean="0"/>
               <a:pPr/>
-              <a:t>7/2/2012</a:t>
+              <a:t>7/3/2012</a:t>
             </a:fld>
             <a:endParaRPr lang="en-US"/>
           </a:p>
@@ -4207,7 +4375,7 @@
             <a:fld id="{1D8BD707-D9CF-40AE-B4C6-C98DA3205C09}" type="datetimeFigureOut">
               <a:rPr lang="en-US" smtClean="0"/>
               <a:pPr/>
-              <a:t>7/2/2012</a:t>
+              <a:t>7/3/2012</a:t>
             </a:fld>
             <a:endParaRPr lang="en-US"/>
           </a:p>
@@ -12634,4 +12802,289 @@
   <a:objectDefaults/>
   <a:extraClrSchemeLst/>
 </a:theme>
+</file>
+
+<file path=ppt/theme/theme3.xml><?xml version="1.0" encoding="utf-8"?>
+<a:theme xmlns:a="http://schemas.openxmlformats.org/drawingml/2006/main" name="Office ​​テーマ">
+  <a:themeElements>
+    <a:clrScheme name="Office">
+      <a:dk1>
+        <a:sysClr val="windowText" lastClr="000000"/>
+      </a:dk1>
+      <a:lt1>
+        <a:sysClr val="window" lastClr="FFFFFF"/>
+      </a:lt1>
+      <a:dk2>
+        <a:srgbClr val="1F497D"/>
+      </a:dk2>
+      <a:lt2>
+        <a:srgbClr val="EEECE1"/>
+      </a:lt2>
+      <a:accent1>
+        <a:srgbClr val="4F81BD"/>
+      </a:accent1>
+      <a:accent2>
+        <a:srgbClr val="C0504D"/>
+      </a:accent2>
+      <a:accent3>
+        <a:srgbClr val="9BBB59"/>
+      </a:accent3>
+      <a:accent4>
+        <a:srgbClr val="8064A2"/>
+      </a:accent4>
+      <a:accent5>
+        <a:srgbClr val="4BACC6"/>
+      </a:accent5>
+      <a:accent6>
+        <a:srgbClr val="F79646"/>
+      </a:accent6>
+      <a:hlink>
+        <a:srgbClr val="0000FF"/>
+      </a:hlink>
+      <a:folHlink>
+        <a:srgbClr val="800080"/>
+      </a:folHlink>
+    </a:clrScheme>
+    <a:fontScheme name="Office">
+      <a:majorFont>
+        <a:latin typeface="Calibri"/>
+        <a:ea typeface=""/>
+        <a:cs typeface=""/>
+        <a:font script="Jpan" typeface="ＭＳ Ｐゴシック"/>
+        <a:font script="Hang" typeface="맑은 고딕"/>
+        <a:font script="Hans" typeface="宋体"/>
+        <a:font script="Hant" typeface="新細明體"/>
+        <a:font script="Arab" typeface="Times New Roman"/>
+        <a:font script="Hebr" typeface="Times New Roman"/>
+        <a:font script="Thai" typeface="Angsana New"/>
+        <a:font script="Ethi" typeface="Nyala"/>
+        <a:font script="Beng" typeface="Vrinda"/>
+        <a:font script="Gujr" typeface="Shruti"/>
+        <a:font script="Khmr" typeface="MoolBoran"/>
+        <a:font script="Knda" typeface="Tunga"/>
+        <a:font script="Guru" typeface="Raavi"/>
+        <a:font script="Cans" typeface="Euphemia"/>
+        <a:font script="Cher" typeface="Plantagenet Cherokee"/>
+        <a:font script="Yiii" typeface="Microsoft Yi Baiti"/>
+        <a:font script="Tibt" typeface="Microsoft Himalaya"/>
+        <a:font script="Thaa" typeface="MV Boli"/>
+        <a:font script="Deva" typeface="Mangal"/>
+        <a:font script="Telu" typeface="Gautami"/>
+        <a:font script="Taml" typeface="Latha"/>
+        <a:font script="Syrc" typeface="Estrangelo Edessa"/>
+        <a:font script="Orya" typeface="Kalinga"/>
+        <a:font script="Mlym" typeface="Kartika"/>
+        <a:font script="Laoo" typeface="DokChampa"/>
+        <a:font script="Sinh" typeface="Iskoola Pota"/>
+        <a:font script="Mong" typeface="Mongolian Baiti"/>
+        <a:font script="Viet" typeface="Times New Roman"/>
+        <a:font script="Uigh" typeface="Microsoft Uighur"/>
+        <a:font script="Geor" typeface="Sylfaen"/>
+      </a:majorFont>
+      <a:minorFont>
+        <a:latin typeface="Calibri"/>
+        <a:ea typeface=""/>
+        <a:cs typeface=""/>
+        <a:font script="Jpan" typeface="ＭＳ Ｐゴシック"/>
+        <a:font script="Hang" typeface="맑은 고딕"/>
+        <a:font script="Hans" typeface="宋体"/>
+        <a:font script="Hant" typeface="新細明體"/>
+        <a:font script="Arab" typeface="Arial"/>
+        <a:font script="Hebr" typeface="Arial"/>
+        <a:font script="Thai" typeface="Cordia New"/>
+        <a:font script="Ethi" typeface="Nyala"/>
+        <a:font script="Beng" typeface="Vrinda"/>
+        <a:font script="Gujr" typeface="Shruti"/>
+        <a:font script="Khmr" typeface="DaunPenh"/>
+        <a:font script="Knda" typeface="Tunga"/>
+        <a:font script="Guru" typeface="Raavi"/>
+        <a:font script="Cans" typeface="Euphemia"/>
+        <a:font script="Cher" typeface="Plantagenet Cherokee"/>
+        <a:font script="Yiii" typeface="Microsoft Yi Baiti"/>
+        <a:font script="Tibt" typeface="Microsoft Himalaya"/>
+        <a:font script="Thaa" typeface="MV Boli"/>
+        <a:font script="Deva" typeface="Mangal"/>
+        <a:font script="Telu" typeface="Gautami"/>
+        <a:font script="Taml" typeface="Latha"/>
+        <a:font script="Syrc" typeface="Estrangelo Edessa"/>
+        <a:font script="Orya" typeface="Kalinga"/>
+        <a:font script="Mlym" typeface="Kartika"/>
+        <a:font script="Laoo" typeface="DokChampa"/>
+        <a:font script="Sinh" typeface="Iskoola Pota"/>
+        <a:font script="Mong" typeface="Mongolian Baiti"/>
+        <a:font script="Viet" typeface="Arial"/>
+        <a:font script="Uigh" typeface="Microsoft Uighur"/>
+        <a:font script="Geor" typeface="Sylfaen"/>
+      </a:minorFont>
+    </a:fontScheme>
+    <a:fmtScheme name="Office">
+      <a:fillStyleLst>
+        <a:solidFill>
+          <a:schemeClr val="phClr"/>
+        </a:solidFill>
+        <a:gradFill rotWithShape="1">
+          <a:gsLst>
+            <a:gs pos="0">
+              <a:schemeClr val="phClr">
+                <a:tint val="50000"/>
+                <a:satMod val="300000"/>
+              </a:schemeClr>
+            </a:gs>
+            <a:gs pos="35000">
+              <a:schemeClr val="phClr">
+                <a:tint val="37000"/>
+                <a:satMod val="300000"/>
+              </a:schemeClr>
+            </a:gs>
+            <a:gs pos="100000">
+              <a:schemeClr val="phClr">
+                <a:tint val="15000"/>
+                <a:satMod val="350000"/>
+              </a:schemeClr>
+            </a:gs>
+          </a:gsLst>
+          <a:lin ang="16200000" scaled="1"/>
+        </a:gradFill>
+        <a:gradFill rotWithShape="1">
+          <a:gsLst>
+            <a:gs pos="0">
+              <a:schemeClr val="phClr">
+                <a:shade val="51000"/>
+                <a:satMod val="130000"/>
+              </a:schemeClr>
+            </a:gs>
+            <a:gs pos="80000">
+              <a:schemeClr val="phClr">
+                <a:shade val="93000"/>
+                <a:satMod val="130000"/>
+              </a:schemeClr>
+            </a:gs>
+            <a:gs pos="100000">
+              <a:schemeClr val="phClr">
+                <a:shade val="94000"/>
+                <a:satMod val="135000"/>
+              </a:schemeClr>
+            </a:gs>
+          </a:gsLst>
+          <a:lin ang="16200000" scaled="0"/>
+        </a:gradFill>
+      </a:fillStyleLst>
+      <a:lnStyleLst>
+        <a:ln w="9525" cap="flat" cmpd="sng" algn="ctr">
+          <a:solidFill>
+            <a:schemeClr val="phClr">
+              <a:shade val="95000"/>
+              <a:satMod val="105000"/>
+            </a:schemeClr>
+          </a:solidFill>
+          <a:prstDash val="solid"/>
+        </a:ln>
+        <a:ln w="25400" cap="flat" cmpd="sng" algn="ctr">
+          <a:solidFill>
+            <a:schemeClr val="phClr"/>
+          </a:solidFill>
+          <a:prstDash val="solid"/>
+        </a:ln>
+        <a:ln w="38100" cap="flat" cmpd="sng" algn="ctr">
+          <a:solidFill>
+            <a:schemeClr val="phClr"/>
+          </a:solidFill>
+          <a:prstDash val="solid"/>
+        </a:ln>
+      </a:lnStyleLst>
+      <a:effectStyleLst>
+        <a:effectStyle>
+          <a:effectLst>
+            <a:outerShdw blurRad="40000" dist="20000" dir="5400000" rotWithShape="0">
+              <a:srgbClr val="000000">
+                <a:alpha val="38000"/>
+              </a:srgbClr>
+            </a:outerShdw>
+          </a:effectLst>
+        </a:effectStyle>
+        <a:effectStyle>
+          <a:effectLst>
+            <a:outerShdw blurRad="40000" dist="23000" dir="5400000" rotWithShape="0">
+              <a:srgbClr val="000000">
+                <a:alpha val="35000"/>
+              </a:srgbClr>
+            </a:outerShdw>
+          </a:effectLst>
+        </a:effectStyle>
+        <a:effectStyle>
+          <a:effectLst>
+            <a:outerShdw blurRad="40000" dist="23000" dir="5400000" rotWithShape="0">
+              <a:srgbClr val="000000">
+                <a:alpha val="35000"/>
+              </a:srgbClr>
+            </a:outerShdw>
+          </a:effectLst>
+          <a:scene3d>
+            <a:camera prst="orthographicFront">
+              <a:rot lat="0" lon="0" rev="0"/>
+            </a:camera>
+            <a:lightRig rig="threePt" dir="t">
+              <a:rot lat="0" lon="0" rev="1200000"/>
+            </a:lightRig>
+          </a:scene3d>
+          <a:sp3d>
+            <a:bevelT w="63500" h="25400"/>
+          </a:sp3d>
+        </a:effectStyle>
+      </a:effectStyleLst>
+      <a:bgFillStyleLst>
+        <a:solidFill>
+          <a:schemeClr val="phClr"/>
+        </a:solidFill>
+        <a:gradFill rotWithShape="1">
+          <a:gsLst>
+            <a:gs pos="0">
+              <a:schemeClr val="phClr">
+                <a:tint val="40000"/>
+                <a:satMod val="350000"/>
+              </a:schemeClr>
+            </a:gs>
+            <a:gs pos="40000">
+              <a:schemeClr val="phClr">
+                <a:tint val="45000"/>
+                <a:shade val="99000"/>
+                <a:satMod val="350000"/>
+              </a:schemeClr>
+            </a:gs>
+            <a:gs pos="100000">
+              <a:schemeClr val="phClr">
+                <a:shade val="20000"/>
+                <a:satMod val="255000"/>
+              </a:schemeClr>
+            </a:gs>
+          </a:gsLst>
+          <a:path path="circle">
+            <a:fillToRect l="50000" t="-80000" r="50000" b="180000"/>
+          </a:path>
+        </a:gradFill>
+        <a:gradFill rotWithShape="1">
+          <a:gsLst>
+            <a:gs pos="0">
+              <a:schemeClr val="phClr">
+                <a:tint val="80000"/>
+                <a:satMod val="300000"/>
+              </a:schemeClr>
+            </a:gs>
+            <a:gs pos="100000">
+              <a:schemeClr val="phClr">
+                <a:shade val="30000"/>
+                <a:satMod val="200000"/>
+              </a:schemeClr>
+            </a:gs>
+          </a:gsLst>
+          <a:path path="circle">
+            <a:fillToRect l="50000" t="50000" r="50000" b="50000"/>
+          </a:path>
+        </a:gradFill>
+      </a:bgFillStyleLst>
+    </a:fmtScheme>
+  </a:themeElements>
+  <a:objectDefaults/>
+  <a:extraClrSchemeLst/>
+</a:theme>
 </file>